--- a/Project1-1/Phase2/Presentation2.pptx
+++ b/Project1-1/Phase2/Presentation2.pptx
@@ -111,6 +111,11 @@
       </a:defRPr>
     </a:lvl9pPr>
   </p:defaultTextStyle>
+  <p:extLst>
+    <p:ext uri="{EFAFB233-063F-42B5-8137-9DF3F51BA10A}">
+      <p15:sldGuideLst xmlns:p15="http://schemas.microsoft.com/office/powerpoint/2012/main"/>
+    </p:ext>
+  </p:extLst>
 </p:presentation>
 </file>
 
@@ -3845,14 +3850,16 @@
         </p:nvSpPr>
         <p:spPr/>
         <p:txBody>
-          <a:bodyPr/>
+          <a:bodyPr>
+            <a:normAutofit/>
+          </a:bodyPr>
           <a:lstStyle/>
           <a:p>
             <a:pPr marL="0" indent="0">
               <a:buNone/>
             </a:pPr>
             <a:r>
-              <a:rPr lang="en-US" dirty="0"/>
+              <a:rPr lang="en-US" sz="2800" dirty="0"/>
               <a:t>Making a graph-coloring game with different game modes, providing hint buttons to help the player.</a:t>
             </a:r>
           </a:p>

--- a/Project1-1/Phase2/Presentation2.pptx
+++ b/Project1-1/Phase2/Presentation2.pptx
@@ -6,13 +6,14 @@
   </p:sldMasterIdLst>
   <p:sldIdLst>
     <p:sldId id="256" r:id="rId2"/>
-    <p:sldId id="257" r:id="rId3"/>
-    <p:sldId id="258" r:id="rId4"/>
-    <p:sldId id="259" r:id="rId5"/>
-    <p:sldId id="260" r:id="rId6"/>
-    <p:sldId id="262" r:id="rId7"/>
-    <p:sldId id="261" r:id="rId8"/>
-    <p:sldId id="263" r:id="rId9"/>
+    <p:sldId id="264" r:id="rId3"/>
+    <p:sldId id="257" r:id="rId4"/>
+    <p:sldId id="258" r:id="rId5"/>
+    <p:sldId id="259" r:id="rId6"/>
+    <p:sldId id="260" r:id="rId7"/>
+    <p:sldId id="262" r:id="rId8"/>
+    <p:sldId id="261" r:id="rId9"/>
+    <p:sldId id="263" r:id="rId10"/>
   </p:sldIdLst>
   <p:sldSz cx="12192000" cy="6858000"/>
   <p:notesSz cx="6858000" cy="9144000"/>
@@ -258,7 +259,7 @@
           <a:p>
             <a:fld id="{3180237B-A893-794D-AF7D-E271C4EE1DEA}" type="datetimeFigureOut">
               <a:rPr lang="en-US" smtClean="0"/>
-              <a:t>12/10/18</a:t>
+              <a:t>12/11/18</a:t>
             </a:fld>
             <a:endParaRPr lang="en-US"/>
           </a:p>
@@ -469,7 +470,7 @@
           <a:p>
             <a:fld id="{3180237B-A893-794D-AF7D-E271C4EE1DEA}" type="datetimeFigureOut">
               <a:rPr lang="en-US" smtClean="0"/>
-              <a:t>12/10/18</a:t>
+              <a:t>12/11/18</a:t>
             </a:fld>
             <a:endParaRPr lang="en-US"/>
           </a:p>
@@ -684,7 +685,7 @@
           <a:p>
             <a:fld id="{3180237B-A893-794D-AF7D-E271C4EE1DEA}" type="datetimeFigureOut">
               <a:rPr lang="en-US" smtClean="0"/>
-              <a:t>12/10/18</a:t>
+              <a:t>12/11/18</a:t>
             </a:fld>
             <a:endParaRPr lang="en-US"/>
           </a:p>
@@ -885,7 +886,7 @@
           <a:p>
             <a:fld id="{3180237B-A893-794D-AF7D-E271C4EE1DEA}" type="datetimeFigureOut">
               <a:rPr lang="en-US" smtClean="0"/>
-              <a:t>12/10/18</a:t>
+              <a:t>12/11/18</a:t>
             </a:fld>
             <a:endParaRPr lang="en-US"/>
           </a:p>
@@ -1164,7 +1165,7 @@
           <a:p>
             <a:fld id="{3180237B-A893-794D-AF7D-E271C4EE1DEA}" type="datetimeFigureOut">
               <a:rPr lang="en-US" smtClean="0"/>
-              <a:t>12/10/18</a:t>
+              <a:t>12/11/18</a:t>
             </a:fld>
             <a:endParaRPr lang="en-US"/>
           </a:p>
@@ -1432,7 +1433,7 @@
           <a:p>
             <a:fld id="{3180237B-A893-794D-AF7D-E271C4EE1DEA}" type="datetimeFigureOut">
               <a:rPr lang="en-US" smtClean="0"/>
-              <a:t>12/10/18</a:t>
+              <a:t>12/11/18</a:t>
             </a:fld>
             <a:endParaRPr lang="en-US"/>
           </a:p>
@@ -1848,7 +1849,7 @@
           <a:p>
             <a:fld id="{3180237B-A893-794D-AF7D-E271C4EE1DEA}" type="datetimeFigureOut">
               <a:rPr lang="en-US" smtClean="0"/>
-              <a:t>12/10/18</a:t>
+              <a:t>12/11/18</a:t>
             </a:fld>
             <a:endParaRPr lang="en-US"/>
           </a:p>
@@ -1997,7 +1998,7 @@
           <a:p>
             <a:fld id="{3180237B-A893-794D-AF7D-E271C4EE1DEA}" type="datetimeFigureOut">
               <a:rPr lang="en-US" smtClean="0"/>
-              <a:t>12/10/18</a:t>
+              <a:t>12/11/18</a:t>
             </a:fld>
             <a:endParaRPr lang="en-US"/>
           </a:p>
@@ -2123,7 +2124,7 @@
           <a:p>
             <a:fld id="{3180237B-A893-794D-AF7D-E271C4EE1DEA}" type="datetimeFigureOut">
               <a:rPr lang="en-US" smtClean="0"/>
-              <a:t>12/10/18</a:t>
+              <a:t>12/11/18</a:t>
             </a:fld>
             <a:endParaRPr lang="en-US"/>
           </a:p>
@@ -2374,7 +2375,7 @@
           <a:p>
             <a:fld id="{3180237B-A893-794D-AF7D-E271C4EE1DEA}" type="datetimeFigureOut">
               <a:rPr lang="en-US" smtClean="0"/>
-              <a:t>12/10/18</a:t>
+              <a:t>12/11/18</a:t>
             </a:fld>
             <a:endParaRPr lang="en-US"/>
           </a:p>
@@ -2819,7 +2820,7 @@
           <a:p>
             <a:fld id="{3180237B-A893-794D-AF7D-E271C4EE1DEA}" type="datetimeFigureOut">
               <a:rPr lang="en-US" smtClean="0"/>
-              <a:t>12/10/18</a:t>
+              <a:t>12/11/18</a:t>
             </a:fld>
             <a:endParaRPr lang="en-US"/>
           </a:p>
@@ -3145,7 +3146,7 @@
           <a:p>
             <a:fld id="{3180237B-A893-794D-AF7D-E271C4EE1DEA}" type="datetimeFigureOut">
               <a:rPr lang="en-US" smtClean="0"/>
-              <a:t>12/10/18</a:t>
+              <a:t>12/11/18</a:t>
             </a:fld>
             <a:endParaRPr lang="en-US"/>
           </a:p>
@@ -3647,7 +3648,12 @@
             <p:ph type="title"/>
           </p:nvPr>
         </p:nvSpPr>
-        <p:spPr/>
+        <p:spPr>
+          <a:xfrm>
+            <a:off x="1259861" y="2935854"/>
+            <a:ext cx="9603275" cy="1049235"/>
+          </a:xfrm>
+        </p:spPr>
         <p:txBody>
           <a:bodyPr/>
           <a:lstStyle/>
@@ -3675,93 +3681,623 @@
             <p:ph idx="1"/>
           </p:nvPr>
         </p:nvSpPr>
-        <p:spPr/>
+        <p:spPr>
+          <a:xfrm>
+            <a:off x="2313619" y="3756989"/>
+            <a:ext cx="2664903" cy="1719293"/>
+          </a:xfrm>
+        </p:spPr>
         <p:txBody>
           <a:bodyPr>
+            <a:normAutofit fontScale="92500" lnSpcReduction="10000"/>
+          </a:bodyPr>
+          <a:lstStyle/>
+          <a:p>
+            <a:pPr marL="0" indent="0">
+              <a:buNone/>
+            </a:pPr>
+            <a:r>
+              <a:rPr lang="en-US" dirty="0"/>
+              <a:t>	</a:t>
+            </a:r>
+          </a:p>
+          <a:p>
+            <a:r>
+              <a:rPr lang="en-US" sz="1900" dirty="0"/>
+              <a:t>Rudy Wessels</a:t>
+            </a:r>
+          </a:p>
+          <a:p>
+            <a:r>
+              <a:rPr lang="en-US" sz="1900" dirty="0"/>
+              <a:t>Oskar </a:t>
+            </a:r>
+            <a:r>
+              <a:rPr lang="en-US" sz="1900" dirty="0" err="1"/>
+              <a:t>Wielgos</a:t>
+            </a:r>
+            <a:r>
+              <a:rPr lang="en-US" sz="1900" dirty="0"/>
+              <a:t> </a:t>
+            </a:r>
+          </a:p>
+          <a:p>
+            <a:r>
+              <a:rPr lang="en-US" sz="1900" dirty="0"/>
+              <a:t>Michal </a:t>
+            </a:r>
+            <a:r>
+              <a:rPr lang="en-US" sz="1900" dirty="0" err="1"/>
+              <a:t>Jarski</a:t>
+            </a:r>
+            <a:r>
+              <a:rPr lang="en-US" sz="1900" dirty="0"/>
+              <a:t> </a:t>
+            </a:r>
+          </a:p>
+        </p:txBody>
+      </p:sp>
+      <p:sp>
+        <p:nvSpPr>
+          <p:cNvPr id="6" name="Content Placeholder 4">
+            <a:extLst>
+              <a:ext uri="{FF2B5EF4-FFF2-40B4-BE49-F238E27FC236}">
+                <a16:creationId xmlns:a16="http://schemas.microsoft.com/office/drawing/2014/main" id="{BCFFF5F8-8312-8140-AB7C-BC4F2A08B9F0}"/>
+              </a:ext>
+            </a:extLst>
+          </p:cNvPr>
+          <p:cNvSpPr txBox="1">
+            <a:spLocks/>
+          </p:cNvSpPr>
+          <p:nvPr/>
+        </p:nvSpPr>
+        <p:spPr>
+          <a:xfrm>
+            <a:off x="8391166" y="3756989"/>
+            <a:ext cx="2663688" cy="1719293"/>
+          </a:xfrm>
+          <a:prstGeom prst="rect">
+            <a:avLst/>
+          </a:prstGeom>
+        </p:spPr>
+        <p:txBody>
+          <a:bodyPr vert="horz" lIns="91440" tIns="45720" rIns="91440" bIns="45720" rtlCol="0" anchor="t">
+            <a:normAutofit fontScale="92500" lnSpcReduction="10000"/>
+          </a:bodyPr>
+          <a:lstStyle>
+            <a:lvl1pPr marL="228600" indent="-228600" algn="l" defTabSz="914400" rtl="0" eaLnBrk="1" latinLnBrk="0" hangingPunct="1">
+              <a:lnSpc>
+                <a:spcPct val="120000"/>
+              </a:lnSpc>
+              <a:spcBef>
+                <a:spcPts val="1000"/>
+              </a:spcBef>
+              <a:buClr>
+                <a:schemeClr val="accent1"/>
+              </a:buClr>
+              <a:buSzPct val="100000"/>
+              <a:buFont typeface="Arial" panose="020B0604020202020204" pitchFamily="34" charset="0"/>
+              <a:buChar char="•"/>
+              <a:defRPr sz="2000" kern="1200">
+                <a:solidFill>
+                  <a:schemeClr val="tx1"/>
+                </a:solidFill>
+                <a:effectLst/>
+                <a:latin typeface="+mn-lt"/>
+                <a:ea typeface="+mn-ea"/>
+                <a:cs typeface="+mn-cs"/>
+              </a:defRPr>
+            </a:lvl1pPr>
+            <a:lvl2pPr marL="685800" indent="-228600" algn="l" defTabSz="914400" rtl="0" eaLnBrk="1" latinLnBrk="0" hangingPunct="1">
+              <a:lnSpc>
+                <a:spcPct val="120000"/>
+              </a:lnSpc>
+              <a:spcBef>
+                <a:spcPts val="500"/>
+              </a:spcBef>
+              <a:buClr>
+                <a:schemeClr val="accent1"/>
+              </a:buClr>
+              <a:buSzPct val="100000"/>
+              <a:buFont typeface="Arial" panose="020B0604020202020204" pitchFamily="34" charset="0"/>
+              <a:buChar char="•"/>
+              <a:defRPr sz="1800" kern="1200" cap="none" baseline="0">
+                <a:solidFill>
+                  <a:schemeClr val="tx1"/>
+                </a:solidFill>
+                <a:effectLst/>
+                <a:latin typeface="+mn-lt"/>
+                <a:ea typeface="+mn-ea"/>
+                <a:cs typeface="+mn-cs"/>
+              </a:defRPr>
+            </a:lvl2pPr>
+            <a:lvl3pPr marL="1143000" indent="-228600" algn="l" defTabSz="914400" rtl="0" eaLnBrk="1" latinLnBrk="0" hangingPunct="1">
+              <a:lnSpc>
+                <a:spcPct val="120000"/>
+              </a:lnSpc>
+              <a:spcBef>
+                <a:spcPts val="500"/>
+              </a:spcBef>
+              <a:buClr>
+                <a:schemeClr val="accent1"/>
+              </a:buClr>
+              <a:buSzPct val="100000"/>
+              <a:buFont typeface="Arial" panose="020B0604020202020204" pitchFamily="34" charset="0"/>
+              <a:buChar char="•"/>
+              <a:defRPr sz="1600" kern="1200">
+                <a:solidFill>
+                  <a:schemeClr val="tx1"/>
+                </a:solidFill>
+                <a:effectLst/>
+                <a:latin typeface="+mn-lt"/>
+                <a:ea typeface="+mn-ea"/>
+                <a:cs typeface="+mn-cs"/>
+              </a:defRPr>
+            </a:lvl3pPr>
+            <a:lvl4pPr marL="1600200" indent="-228600" algn="l" defTabSz="914400" rtl="0" eaLnBrk="1" latinLnBrk="0" hangingPunct="1">
+              <a:lnSpc>
+                <a:spcPct val="120000"/>
+              </a:lnSpc>
+              <a:spcBef>
+                <a:spcPts val="500"/>
+              </a:spcBef>
+              <a:buClr>
+                <a:schemeClr val="accent1"/>
+              </a:buClr>
+              <a:buSzPct val="100000"/>
+              <a:buFont typeface="Arial" panose="020B0604020202020204" pitchFamily="34" charset="0"/>
+              <a:buChar char="•"/>
+              <a:defRPr sz="1400" kern="1200" cap="none" baseline="0">
+                <a:solidFill>
+                  <a:schemeClr val="tx1"/>
+                </a:solidFill>
+                <a:effectLst/>
+                <a:latin typeface="+mn-lt"/>
+                <a:ea typeface="+mn-ea"/>
+                <a:cs typeface="+mn-cs"/>
+              </a:defRPr>
+            </a:lvl4pPr>
+            <a:lvl5pPr marL="2057400" indent="-228600" algn="l" defTabSz="914400" rtl="0" eaLnBrk="1" latinLnBrk="0" hangingPunct="1">
+              <a:lnSpc>
+                <a:spcPct val="120000"/>
+              </a:lnSpc>
+              <a:spcBef>
+                <a:spcPts val="500"/>
+              </a:spcBef>
+              <a:buClr>
+                <a:schemeClr val="accent1"/>
+              </a:buClr>
+              <a:buSzPct val="100000"/>
+              <a:buFont typeface="Arial" panose="020B0604020202020204" pitchFamily="34" charset="0"/>
+              <a:buChar char="•"/>
+              <a:defRPr sz="1200" kern="1200">
+                <a:solidFill>
+                  <a:schemeClr val="tx1"/>
+                </a:solidFill>
+                <a:effectLst/>
+                <a:latin typeface="+mn-lt"/>
+                <a:ea typeface="+mn-ea"/>
+                <a:cs typeface="+mn-cs"/>
+              </a:defRPr>
+            </a:lvl5pPr>
+            <a:lvl6pPr marL="2514600" indent="-228600" algn="l" defTabSz="914400" rtl="0" eaLnBrk="1" latinLnBrk="0" hangingPunct="1">
+              <a:lnSpc>
+                <a:spcPct val="120000"/>
+              </a:lnSpc>
+              <a:spcBef>
+                <a:spcPts val="500"/>
+              </a:spcBef>
+              <a:buClr>
+                <a:schemeClr val="accent1"/>
+              </a:buClr>
+              <a:buSzPct val="100000"/>
+              <a:buFont typeface="Arial" panose="020B0604020202020204" pitchFamily="34" charset="0"/>
+              <a:buChar char="•"/>
+              <a:defRPr sz="1200" kern="1200">
+                <a:solidFill>
+                  <a:schemeClr val="tx1"/>
+                </a:solidFill>
+                <a:effectLst/>
+                <a:latin typeface="+mn-lt"/>
+                <a:ea typeface="+mn-ea"/>
+                <a:cs typeface="+mn-cs"/>
+              </a:defRPr>
+            </a:lvl6pPr>
+            <a:lvl7pPr marL="2971800" indent="-228600" algn="l" defTabSz="914400" rtl="0" eaLnBrk="1" latinLnBrk="0" hangingPunct="1">
+              <a:lnSpc>
+                <a:spcPct val="120000"/>
+              </a:lnSpc>
+              <a:spcBef>
+                <a:spcPts val="500"/>
+              </a:spcBef>
+              <a:buClr>
+                <a:schemeClr val="accent1"/>
+              </a:buClr>
+              <a:buSzPct val="100000"/>
+              <a:buFont typeface="Arial" panose="020B0604020202020204" pitchFamily="34" charset="0"/>
+              <a:buChar char="•"/>
+              <a:defRPr sz="1200" kern="1200">
+                <a:solidFill>
+                  <a:schemeClr val="tx1"/>
+                </a:solidFill>
+                <a:effectLst/>
+                <a:latin typeface="+mn-lt"/>
+                <a:ea typeface="+mn-ea"/>
+                <a:cs typeface="+mn-cs"/>
+              </a:defRPr>
+            </a:lvl7pPr>
+            <a:lvl8pPr marL="3429000" indent="-228600" algn="l" defTabSz="914400" rtl="0" eaLnBrk="1" latinLnBrk="0" hangingPunct="1">
+              <a:lnSpc>
+                <a:spcPct val="120000"/>
+              </a:lnSpc>
+              <a:spcBef>
+                <a:spcPts val="500"/>
+              </a:spcBef>
+              <a:buClr>
+                <a:schemeClr val="accent1"/>
+              </a:buClr>
+              <a:buSzPct val="100000"/>
+              <a:buFont typeface="Arial" panose="020B0604020202020204" pitchFamily="34" charset="0"/>
+              <a:buChar char="•"/>
+              <a:defRPr sz="1200" kern="1200" baseline="0">
+                <a:solidFill>
+                  <a:schemeClr val="tx1"/>
+                </a:solidFill>
+                <a:effectLst/>
+                <a:latin typeface="+mn-lt"/>
+                <a:ea typeface="+mn-ea"/>
+                <a:cs typeface="+mn-cs"/>
+              </a:defRPr>
+            </a:lvl8pPr>
+            <a:lvl9pPr marL="3886200" indent="-228600" algn="l" defTabSz="914400" rtl="0" eaLnBrk="1" latinLnBrk="0" hangingPunct="1">
+              <a:lnSpc>
+                <a:spcPct val="120000"/>
+              </a:lnSpc>
+              <a:spcBef>
+                <a:spcPts val="500"/>
+              </a:spcBef>
+              <a:buClr>
+                <a:schemeClr val="accent1"/>
+              </a:buClr>
+              <a:buSzPct val="100000"/>
+              <a:buFont typeface="Arial" panose="020B0604020202020204" pitchFamily="34" charset="0"/>
+              <a:buChar char="•"/>
+              <a:defRPr sz="1200" kern="1200" baseline="0">
+                <a:solidFill>
+                  <a:schemeClr val="tx1"/>
+                </a:solidFill>
+                <a:effectLst/>
+                <a:latin typeface="+mn-lt"/>
+                <a:ea typeface="+mn-ea"/>
+                <a:cs typeface="+mn-cs"/>
+              </a:defRPr>
+            </a:lvl9pPr>
+          </a:lstStyle>
+          <a:p>
+            <a:pPr marL="0" indent="0">
+              <a:buFont typeface="Arial" panose="020B0604020202020204" pitchFamily="34" charset="0"/>
+              <a:buNone/>
+            </a:pPr>
+            <a:endParaRPr lang="en-US" dirty="0"/>
+          </a:p>
+          <a:p>
+            <a:r>
+              <a:rPr lang="en-US" sz="1900" dirty="0"/>
+              <a:t>Tu Anh </a:t>
+            </a:r>
+            <a:r>
+              <a:rPr lang="en-US" sz="1900" dirty="0" err="1"/>
+              <a:t>Dinh</a:t>
+            </a:r>
+            <a:endParaRPr lang="en-US" sz="1900" dirty="0"/>
+          </a:p>
+          <a:p>
+            <a:r>
+              <a:rPr lang="en-US" sz="1900" dirty="0"/>
+              <a:t>Vaishnavi </a:t>
+            </a:r>
+            <a:r>
+              <a:rPr lang="en-US" sz="1900" dirty="0" err="1"/>
+              <a:t>Velaga</a:t>
+            </a:r>
+            <a:r>
+              <a:rPr lang="en-US" sz="1900" dirty="0"/>
+              <a:t> </a:t>
+            </a:r>
+          </a:p>
+          <a:p>
+            <a:r>
+              <a:rPr lang="en-US" sz="1900" dirty="0"/>
+              <a:t>Louis Mottet </a:t>
+            </a:r>
+          </a:p>
+        </p:txBody>
+      </p:sp>
+      <p:sp>
+        <p:nvSpPr>
+          <p:cNvPr id="7" name="Content Placeholder 4">
+            <a:extLst>
+              <a:ext uri="{FF2B5EF4-FFF2-40B4-BE49-F238E27FC236}">
+                <a16:creationId xmlns:a16="http://schemas.microsoft.com/office/drawing/2014/main" id="{CCF44E5C-A821-9349-ACB0-85D70154B2D6}"/>
+              </a:ext>
+            </a:extLst>
+          </p:cNvPr>
+          <p:cNvSpPr txBox="1">
+            <a:spLocks/>
+          </p:cNvSpPr>
+          <p:nvPr/>
+        </p:nvSpPr>
+        <p:spPr>
+          <a:xfrm>
+            <a:off x="1961996" y="3688572"/>
+            <a:ext cx="2549387" cy="593034"/>
+          </a:xfrm>
+          <a:prstGeom prst="rect">
+            <a:avLst/>
+          </a:prstGeom>
+        </p:spPr>
+        <p:txBody>
+          <a:bodyPr vert="horz" lIns="91440" tIns="45720" rIns="91440" bIns="45720" rtlCol="0" anchor="t">
             <a:normAutofit/>
           </a:bodyPr>
-          <a:lstStyle/>
-          <a:p>
-            <a:pPr marL="0" indent="0">
+          <a:lstStyle>
+            <a:lvl1pPr marL="228600" indent="-228600" algn="l" defTabSz="914400" rtl="0" eaLnBrk="1" latinLnBrk="0" hangingPunct="1">
+              <a:lnSpc>
+                <a:spcPct val="120000"/>
+              </a:lnSpc>
+              <a:spcBef>
+                <a:spcPts val="1000"/>
+              </a:spcBef>
+              <a:buClr>
+                <a:schemeClr val="accent1"/>
+              </a:buClr>
+              <a:buSzPct val="100000"/>
+              <a:buFont typeface="Arial" panose="020B0604020202020204" pitchFamily="34" charset="0"/>
+              <a:buChar char="•"/>
+              <a:defRPr sz="2000" kern="1200">
+                <a:solidFill>
+                  <a:schemeClr val="tx1"/>
+                </a:solidFill>
+                <a:effectLst/>
+                <a:latin typeface="+mn-lt"/>
+                <a:ea typeface="+mn-ea"/>
+                <a:cs typeface="+mn-cs"/>
+              </a:defRPr>
+            </a:lvl1pPr>
+            <a:lvl2pPr marL="685800" indent="-228600" algn="l" defTabSz="914400" rtl="0" eaLnBrk="1" latinLnBrk="0" hangingPunct="1">
+              <a:lnSpc>
+                <a:spcPct val="120000"/>
+              </a:lnSpc>
+              <a:spcBef>
+                <a:spcPts val="500"/>
+              </a:spcBef>
+              <a:buClr>
+                <a:schemeClr val="accent1"/>
+              </a:buClr>
+              <a:buSzPct val="100000"/>
+              <a:buFont typeface="Arial" panose="020B0604020202020204" pitchFamily="34" charset="0"/>
+              <a:buChar char="•"/>
+              <a:defRPr sz="1800" kern="1200" cap="none" baseline="0">
+                <a:solidFill>
+                  <a:schemeClr val="tx1"/>
+                </a:solidFill>
+                <a:effectLst/>
+                <a:latin typeface="+mn-lt"/>
+                <a:ea typeface="+mn-ea"/>
+                <a:cs typeface="+mn-cs"/>
+              </a:defRPr>
+            </a:lvl2pPr>
+            <a:lvl3pPr marL="1143000" indent="-228600" algn="l" defTabSz="914400" rtl="0" eaLnBrk="1" latinLnBrk="0" hangingPunct="1">
+              <a:lnSpc>
+                <a:spcPct val="120000"/>
+              </a:lnSpc>
+              <a:spcBef>
+                <a:spcPts val="500"/>
+              </a:spcBef>
+              <a:buClr>
+                <a:schemeClr val="accent1"/>
+              </a:buClr>
+              <a:buSzPct val="100000"/>
+              <a:buFont typeface="Arial" panose="020B0604020202020204" pitchFamily="34" charset="0"/>
+              <a:buChar char="•"/>
+              <a:defRPr sz="1600" kern="1200">
+                <a:solidFill>
+                  <a:schemeClr val="tx1"/>
+                </a:solidFill>
+                <a:effectLst/>
+                <a:latin typeface="+mn-lt"/>
+                <a:ea typeface="+mn-ea"/>
+                <a:cs typeface="+mn-cs"/>
+              </a:defRPr>
+            </a:lvl3pPr>
+            <a:lvl4pPr marL="1600200" indent="-228600" algn="l" defTabSz="914400" rtl="0" eaLnBrk="1" latinLnBrk="0" hangingPunct="1">
+              <a:lnSpc>
+                <a:spcPct val="120000"/>
+              </a:lnSpc>
+              <a:spcBef>
+                <a:spcPts val="500"/>
+              </a:spcBef>
+              <a:buClr>
+                <a:schemeClr val="accent1"/>
+              </a:buClr>
+              <a:buSzPct val="100000"/>
+              <a:buFont typeface="Arial" panose="020B0604020202020204" pitchFamily="34" charset="0"/>
+              <a:buChar char="•"/>
+              <a:defRPr sz="1400" kern="1200" cap="none" baseline="0">
+                <a:solidFill>
+                  <a:schemeClr val="tx1"/>
+                </a:solidFill>
+                <a:effectLst/>
+                <a:latin typeface="+mn-lt"/>
+                <a:ea typeface="+mn-ea"/>
+                <a:cs typeface="+mn-cs"/>
+              </a:defRPr>
+            </a:lvl4pPr>
+            <a:lvl5pPr marL="2057400" indent="-228600" algn="l" defTabSz="914400" rtl="0" eaLnBrk="1" latinLnBrk="0" hangingPunct="1">
+              <a:lnSpc>
+                <a:spcPct val="120000"/>
+              </a:lnSpc>
+              <a:spcBef>
+                <a:spcPts val="500"/>
+              </a:spcBef>
+              <a:buClr>
+                <a:schemeClr val="accent1"/>
+              </a:buClr>
+              <a:buSzPct val="100000"/>
+              <a:buFont typeface="Arial" panose="020B0604020202020204" pitchFamily="34" charset="0"/>
+              <a:buChar char="•"/>
+              <a:defRPr sz="1200" kern="1200">
+                <a:solidFill>
+                  <a:schemeClr val="tx1"/>
+                </a:solidFill>
+                <a:effectLst/>
+                <a:latin typeface="+mn-lt"/>
+                <a:ea typeface="+mn-ea"/>
+                <a:cs typeface="+mn-cs"/>
+              </a:defRPr>
+            </a:lvl5pPr>
+            <a:lvl6pPr marL="2514600" indent="-228600" algn="l" defTabSz="914400" rtl="0" eaLnBrk="1" latinLnBrk="0" hangingPunct="1">
+              <a:lnSpc>
+                <a:spcPct val="120000"/>
+              </a:lnSpc>
+              <a:spcBef>
+                <a:spcPts val="500"/>
+              </a:spcBef>
+              <a:buClr>
+                <a:schemeClr val="accent1"/>
+              </a:buClr>
+              <a:buSzPct val="100000"/>
+              <a:buFont typeface="Arial" panose="020B0604020202020204" pitchFamily="34" charset="0"/>
+              <a:buChar char="•"/>
+              <a:defRPr sz="1200" kern="1200">
+                <a:solidFill>
+                  <a:schemeClr val="tx1"/>
+                </a:solidFill>
+                <a:effectLst/>
+                <a:latin typeface="+mn-lt"/>
+                <a:ea typeface="+mn-ea"/>
+                <a:cs typeface="+mn-cs"/>
+              </a:defRPr>
+            </a:lvl6pPr>
+            <a:lvl7pPr marL="2971800" indent="-228600" algn="l" defTabSz="914400" rtl="0" eaLnBrk="1" latinLnBrk="0" hangingPunct="1">
+              <a:lnSpc>
+                <a:spcPct val="120000"/>
+              </a:lnSpc>
+              <a:spcBef>
+                <a:spcPts val="500"/>
+              </a:spcBef>
+              <a:buClr>
+                <a:schemeClr val="accent1"/>
+              </a:buClr>
+              <a:buSzPct val="100000"/>
+              <a:buFont typeface="Arial" panose="020B0604020202020204" pitchFamily="34" charset="0"/>
+              <a:buChar char="•"/>
+              <a:defRPr sz="1200" kern="1200">
+                <a:solidFill>
+                  <a:schemeClr val="tx1"/>
+                </a:solidFill>
+                <a:effectLst/>
+                <a:latin typeface="+mn-lt"/>
+                <a:ea typeface="+mn-ea"/>
+                <a:cs typeface="+mn-cs"/>
+              </a:defRPr>
+            </a:lvl7pPr>
+            <a:lvl8pPr marL="3429000" indent="-228600" algn="l" defTabSz="914400" rtl="0" eaLnBrk="1" latinLnBrk="0" hangingPunct="1">
+              <a:lnSpc>
+                <a:spcPct val="120000"/>
+              </a:lnSpc>
+              <a:spcBef>
+                <a:spcPts val="500"/>
+              </a:spcBef>
+              <a:buClr>
+                <a:schemeClr val="accent1"/>
+              </a:buClr>
+              <a:buSzPct val="100000"/>
+              <a:buFont typeface="Arial" panose="020B0604020202020204" pitchFamily="34" charset="0"/>
+              <a:buChar char="•"/>
+              <a:defRPr sz="1200" kern="1200" baseline="0">
+                <a:solidFill>
+                  <a:schemeClr val="tx1"/>
+                </a:solidFill>
+                <a:effectLst/>
+                <a:latin typeface="+mn-lt"/>
+                <a:ea typeface="+mn-ea"/>
+                <a:cs typeface="+mn-cs"/>
+              </a:defRPr>
+            </a:lvl8pPr>
+            <a:lvl9pPr marL="3886200" indent="-228600" algn="l" defTabSz="914400" rtl="0" eaLnBrk="1" latinLnBrk="0" hangingPunct="1">
+              <a:lnSpc>
+                <a:spcPct val="120000"/>
+              </a:lnSpc>
+              <a:spcBef>
+                <a:spcPts val="500"/>
+              </a:spcBef>
+              <a:buClr>
+                <a:schemeClr val="accent1"/>
+              </a:buClr>
+              <a:buSzPct val="100000"/>
+              <a:buFont typeface="Arial" panose="020B0604020202020204" pitchFamily="34" charset="0"/>
+              <a:buChar char="•"/>
+              <a:defRPr sz="1200" kern="1200" baseline="0">
+                <a:solidFill>
+                  <a:schemeClr val="tx1"/>
+                </a:solidFill>
+                <a:effectLst/>
+                <a:latin typeface="+mn-lt"/>
+                <a:ea typeface="+mn-ea"/>
+                <a:cs typeface="+mn-cs"/>
+              </a:defRPr>
+            </a:lvl9pPr>
+          </a:lstStyle>
+          <a:p>
+            <a:pPr marL="0" indent="0" algn="ctr">
+              <a:buFont typeface="Arial" panose="020B0604020202020204" pitchFamily="34" charset="0"/>
               <a:buNone/>
             </a:pPr>
             <a:r>
-              <a:rPr lang="en-US" dirty="0"/>
+              <a:rPr lang="en-US" sz="2400" dirty="0"/>
               <a:t>Group 10:</a:t>
             </a:r>
           </a:p>
-          <a:p>
-            <a:r>
-              <a:rPr lang="en-US" dirty="0"/>
-              <a:t>Rudy Wessels</a:t>
-            </a:r>
-          </a:p>
-          <a:p>
-            <a:r>
-              <a:rPr lang="en-US" dirty="0"/>
-              <a:t>Oskar </a:t>
-            </a:r>
-            <a:r>
-              <a:rPr lang="en-US" dirty="0" err="1"/>
-              <a:t>Wielgos</a:t>
-            </a:r>
-            <a:r>
-              <a:rPr lang="en-US" dirty="0"/>
-              <a:t> </a:t>
-            </a:r>
-          </a:p>
-          <a:p>
-            <a:r>
-              <a:rPr lang="en-US" dirty="0"/>
-              <a:t>Michal </a:t>
-            </a:r>
-            <a:r>
-              <a:rPr lang="en-US" dirty="0" err="1"/>
-              <a:t>Jarski</a:t>
-            </a:r>
-            <a:r>
-              <a:rPr lang="en-US" dirty="0"/>
-              <a:t> </a:t>
-            </a:r>
-          </a:p>
-          <a:p>
-            <a:r>
-              <a:rPr lang="en-US" dirty="0"/>
-              <a:t>Tu Anh </a:t>
-            </a:r>
-            <a:r>
-              <a:rPr lang="en-US" dirty="0" err="1"/>
-              <a:t>Dinh</a:t>
-            </a:r>
-            <a:endParaRPr lang="en-US" dirty="0"/>
-          </a:p>
-          <a:p>
-            <a:r>
-              <a:rPr lang="en-US" dirty="0"/>
-              <a:t>Vaishnavi </a:t>
-            </a:r>
-            <a:r>
-              <a:rPr lang="en-US" dirty="0" err="1"/>
-              <a:t>Velaga</a:t>
-            </a:r>
-            <a:r>
-              <a:rPr lang="en-US" dirty="0"/>
-              <a:t> </a:t>
-            </a:r>
-          </a:p>
-          <a:p>
-            <a:r>
-              <a:rPr lang="en-US" dirty="0"/>
-              <a:t>Louis </a:t>
-            </a:r>
-            <a:r>
-              <a:rPr lang="en-US" dirty="0" err="1"/>
-              <a:t>Mottet</a:t>
-            </a:r>
-            <a:r>
-              <a:rPr lang="en-US" dirty="0"/>
-              <a:t> </a:t>
-            </a:r>
+        </p:txBody>
+      </p:sp>
+      <p:sp>
+        <p:nvSpPr>
+          <p:cNvPr id="2" name="TextBox 1">
+            <a:extLst>
+              <a:ext uri="{FF2B5EF4-FFF2-40B4-BE49-F238E27FC236}">
+                <a16:creationId xmlns:a16="http://schemas.microsoft.com/office/drawing/2014/main" id="{79FECB3E-9BAF-1C45-B30E-A18675455AE6}"/>
+              </a:ext>
+            </a:extLst>
+          </p:cNvPr>
+          <p:cNvSpPr txBox="1"/>
+          <p:nvPr/>
+        </p:nvSpPr>
+        <p:spPr>
+          <a:xfrm>
+            <a:off x="1259861" y="838563"/>
+            <a:ext cx="9986708" cy="1938992"/>
+          </a:xfrm>
+          <a:prstGeom prst="rect">
+            <a:avLst/>
+          </a:prstGeom>
+          <a:noFill/>
+        </p:spPr>
+        <p:txBody>
+          <a:bodyPr wrap="none" rtlCol="0">
+            <a:spAutoFit/>
+          </a:bodyPr>
+          <a:lstStyle/>
+          <a:p>
+            <a:pPr algn="ctr"/>
+            <a:r>
+              <a:rPr lang="en-GB" sz="6000" dirty="0"/>
+              <a:t>Amazing Chromatic Adventure </a:t>
+            </a:r>
+          </a:p>
+          <a:p>
+            <a:pPr algn="ctr"/>
+            <a:endParaRPr lang="en-GB" sz="6000" dirty="0"/>
           </a:p>
         </p:txBody>
       </p:sp>
@@ -3817,16 +4353,8 @@
           <a:lstStyle/>
           <a:p>
             <a:r>
-              <a:rPr lang="nl-NL" altLang="en-US" dirty="0" err="1"/>
-              <a:t>Problem</a:t>
-            </a:r>
-            <a:r>
               <a:rPr lang="nl-NL" altLang="en-US" dirty="0"/>
-              <a:t> </a:t>
-            </a:r>
-            <a:r>
-              <a:rPr lang="nl-NL" altLang="en-US" dirty="0" err="1"/>
-              <a:t>definition</a:t>
+              <a:t>agenda</a:t>
             </a:r>
             <a:endParaRPr lang="en-US" dirty="0"/>
           </a:p>
@@ -3855,20 +4383,44 @@
           </a:bodyPr>
           <a:lstStyle/>
           <a:p>
-            <a:pPr marL="0" indent="0">
-              <a:buNone/>
-            </a:pPr>
             <a:r>
               <a:rPr lang="en-US" sz="2800" dirty="0"/>
-              <a:t>Making a graph-coloring game with different game modes, providing hint buttons to help the player.</a:t>
-            </a:r>
+              <a:t>Problem Statement</a:t>
+            </a:r>
+          </a:p>
+          <a:p>
+            <a:r>
+              <a:rPr lang="en-US" sz="2800" dirty="0"/>
+              <a:t>Structure</a:t>
+            </a:r>
+          </a:p>
+          <a:p>
+            <a:r>
+              <a:rPr lang="en-US" sz="2800" dirty="0"/>
+              <a:t>Demo</a:t>
+            </a:r>
+          </a:p>
+          <a:p>
+            <a:r>
+              <a:rPr lang="en-US" sz="2800" dirty="0"/>
+              <a:t>Algorithms</a:t>
+            </a:r>
+          </a:p>
+          <a:p>
+            <a:r>
+              <a:rPr lang="en-US" sz="2800" dirty="0"/>
+              <a:t>Conclusion</a:t>
+            </a:r>
+          </a:p>
+          <a:p>
+            <a:endParaRPr lang="en-US" sz="2800" dirty="0"/>
           </a:p>
         </p:txBody>
       </p:sp>
     </p:spTree>
     <p:extLst>
       <p:ext uri="{BB962C8B-B14F-4D97-AF65-F5344CB8AC3E}">
-        <p14:creationId xmlns:p14="http://schemas.microsoft.com/office/powerpoint/2010/main" val="2515134917"/>
+        <p14:creationId xmlns:p14="http://schemas.microsoft.com/office/powerpoint/2010/main" val="489619483"/>
       </p:ext>
     </p:extLst>
   </p:cSld>
@@ -3900,7 +4452,7 @@
           <p:cNvPr id="2" name="Title 1">
             <a:extLst>
               <a:ext uri="{FF2B5EF4-FFF2-40B4-BE49-F238E27FC236}">
-                <a16:creationId xmlns:a16="http://schemas.microsoft.com/office/drawing/2014/main" id="{704A5682-3C2E-AA45-9DFF-F2116F9756BA}"/>
+                <a16:creationId xmlns:a16="http://schemas.microsoft.com/office/drawing/2014/main" id="{78B7B4DA-8677-2244-BF16-A04D557AD3E3}"/>
               </a:ext>
             </a:extLst>
           </p:cNvPr>
@@ -3917,104 +4469,46 @@
           <a:lstStyle/>
           <a:p>
             <a:r>
-              <a:rPr lang="en-US" dirty="0"/>
-              <a:t>Structure</a:t>
-            </a:r>
-          </a:p>
-        </p:txBody>
-      </p:sp>
-      <p:pic>
-        <p:nvPicPr>
-          <p:cNvPr id="5" name="Content Placeholder 4">
+              <a:rPr lang="nl-NL" altLang="en-US" dirty="0" err="1"/>
+              <a:t>Problem</a:t>
+            </a:r>
+            <a:r>
+              <a:rPr lang="nl-NL" altLang="en-US" dirty="0"/>
+              <a:t> statement</a:t>
+            </a:r>
+            <a:endParaRPr lang="en-US" dirty="0"/>
+          </a:p>
+        </p:txBody>
+      </p:sp>
+      <p:sp>
+        <p:nvSpPr>
+          <p:cNvPr id="3" name="Content Placeholder 2">
             <a:extLst>
               <a:ext uri="{FF2B5EF4-FFF2-40B4-BE49-F238E27FC236}">
-                <a16:creationId xmlns:a16="http://schemas.microsoft.com/office/drawing/2014/main" id="{DFE02221-8785-834C-96EA-A651545854D3}"/>
+                <a16:creationId xmlns:a16="http://schemas.microsoft.com/office/drawing/2014/main" id="{93626475-F4C2-3840-8D2B-62220DD72DA2}"/>
               </a:ext>
             </a:extLst>
           </p:cNvPr>
-          <p:cNvPicPr>
-            <a:picLocks noGrp="1" noChangeAspect="1"/>
-          </p:cNvPicPr>
+          <p:cNvSpPr>
+            <a:spLocks noGrp="1"/>
+          </p:cNvSpPr>
           <p:nvPr>
             <p:ph idx="1"/>
           </p:nvPr>
-        </p:nvPicPr>
-        <p:blipFill>
-          <a:blip r:embed="rId2"/>
-          <a:stretch>
-            <a:fillRect/>
-          </a:stretch>
-        </p:blipFill>
-        <p:spPr>
-          <a:xfrm>
-            <a:off x="1451579" y="2109516"/>
-            <a:ext cx="6264165" cy="787824"/>
-          </a:xfrm>
-        </p:spPr>
-      </p:pic>
-      <p:sp>
-        <p:nvSpPr>
-          <p:cNvPr id="7" name="TextBox 6">
-            <a:extLst>
-              <a:ext uri="{FF2B5EF4-FFF2-40B4-BE49-F238E27FC236}">
-                <a16:creationId xmlns:a16="http://schemas.microsoft.com/office/drawing/2014/main" id="{5631AB70-5FFB-BE45-8C66-CA4449B2ED0E}"/>
-              </a:ext>
-            </a:extLst>
-          </p:cNvPr>
-          <p:cNvSpPr txBox="1"/>
-          <p:nvPr/>
-        </p:nvSpPr>
-        <p:spPr>
-          <a:xfrm>
-            <a:off x="838200" y="3153103"/>
-            <a:ext cx="9070428" cy="1384995"/>
-          </a:xfrm>
-          <a:prstGeom prst="rect">
-            <a:avLst/>
-          </a:prstGeom>
-          <a:noFill/>
-        </p:spPr>
-        <p:txBody>
-          <a:bodyPr wrap="square" rtlCol="0">
-            <a:spAutoFit/>
+        </p:nvSpPr>
+        <p:spPr/>
+        <p:txBody>
+          <a:bodyPr>
+            <a:normAutofit/>
           </a:bodyPr>
           <a:lstStyle/>
           <a:p>
-            <a:pPr marL="285750" indent="-285750">
-              <a:buFont typeface="Arial" panose="020B0604020202020204" pitchFamily="34" charset="0"/>
-              <a:buChar char="•"/>
+            <a:pPr marL="0" indent="0">
+              <a:buNone/>
             </a:pPr>
             <a:r>
               <a:rPr lang="en-US" sz="2800" dirty="0"/>
-              <a:t>Menu: Play button, choose the game mode</a:t>
-            </a:r>
-          </a:p>
-          <a:p>
-            <a:pPr marL="285750" indent="-285750">
-              <a:buFont typeface="Arial" panose="020B0604020202020204" pitchFamily="34" charset="0"/>
-              <a:buChar char="•"/>
-            </a:pPr>
-            <a:r>
-              <a:rPr lang="en-US" sz="2800" dirty="0" err="1"/>
-              <a:t>SecondFrame</a:t>
-            </a:r>
-            <a:r>
-              <a:rPr lang="en-US" sz="2800" dirty="0"/>
-              <a:t>: Set number of nodes and number of edges</a:t>
-            </a:r>
-          </a:p>
-          <a:p>
-            <a:pPr marL="285750" indent="-285750">
-              <a:buFont typeface="Arial" panose="020B0604020202020204" pitchFamily="34" charset="0"/>
-              <a:buChar char="•"/>
-            </a:pPr>
-            <a:r>
-              <a:rPr lang="en-US" sz="2800" dirty="0" err="1"/>
-              <a:t>GraphFrame</a:t>
-            </a:r>
-            <a:r>
-              <a:rPr lang="en-US" sz="2800" dirty="0"/>
-              <a:t>: Show the graph and allow coloring</a:t>
+              <a:t>Making a graph-coloring game with different game modes, providing hint buttons to help the player.</a:t>
             </a:r>
           </a:p>
         </p:txBody>
@@ -4022,7 +4516,7 @@
     </p:spTree>
     <p:extLst>
       <p:ext uri="{BB962C8B-B14F-4D97-AF65-F5344CB8AC3E}">
-        <p14:creationId xmlns:p14="http://schemas.microsoft.com/office/powerpoint/2010/main" val="2532813235"/>
+        <p14:creationId xmlns:p14="http://schemas.microsoft.com/office/powerpoint/2010/main" val="2515134917"/>
       </p:ext>
     </p:extLst>
   </p:cSld>
@@ -4054,7 +4548,7 @@
           <p:cNvPr id="2" name="Title 1">
             <a:extLst>
               <a:ext uri="{FF2B5EF4-FFF2-40B4-BE49-F238E27FC236}">
-                <a16:creationId xmlns:a16="http://schemas.microsoft.com/office/drawing/2014/main" id="{D258B77D-50FE-A84E-88AB-2E59B81ACEEA}"/>
+                <a16:creationId xmlns:a16="http://schemas.microsoft.com/office/drawing/2014/main" id="{704A5682-3C2E-AA45-9DFF-F2116F9756BA}"/>
               </a:ext>
             </a:extLst>
           </p:cNvPr>
@@ -4072,40 +4566,120 @@
           <a:p>
             <a:r>
               <a:rPr lang="en-US" dirty="0"/>
-              <a:t>Demo</a:t>
-            </a:r>
-          </a:p>
-        </p:txBody>
-      </p:sp>
-      <p:sp>
-        <p:nvSpPr>
-          <p:cNvPr id="3" name="Content Placeholder 2">
+              <a:t>Structure</a:t>
+            </a:r>
+          </a:p>
+        </p:txBody>
+      </p:sp>
+      <p:pic>
+        <p:nvPicPr>
+          <p:cNvPr id="5" name="Content Placeholder 4">
             <a:extLst>
               <a:ext uri="{FF2B5EF4-FFF2-40B4-BE49-F238E27FC236}">
-                <a16:creationId xmlns:a16="http://schemas.microsoft.com/office/drawing/2014/main" id="{3C90B755-6D91-7648-8031-B7094D385A2D}"/>
+                <a16:creationId xmlns:a16="http://schemas.microsoft.com/office/drawing/2014/main" id="{DFE02221-8785-834C-96EA-A651545854D3}"/>
               </a:ext>
             </a:extLst>
           </p:cNvPr>
-          <p:cNvSpPr>
-            <a:spLocks noGrp="1"/>
-          </p:cNvSpPr>
+          <p:cNvPicPr>
+            <a:picLocks noGrp="1" noChangeAspect="1"/>
+          </p:cNvPicPr>
           <p:nvPr>
             <p:ph idx="1"/>
           </p:nvPr>
-        </p:nvSpPr>
-        <p:spPr/>
-        <p:txBody>
-          <a:bodyPr/>
-          <a:lstStyle/>
-          <a:p>
-            <a:endParaRPr lang="en-US" dirty="0"/>
+        </p:nvPicPr>
+        <p:blipFill>
+          <a:blip r:embed="rId2"/>
+          <a:stretch>
+            <a:fillRect/>
+          </a:stretch>
+        </p:blipFill>
+        <p:spPr>
+          <a:xfrm>
+            <a:off x="1451579" y="2129394"/>
+            <a:ext cx="6264165" cy="787824"/>
+          </a:xfrm>
+        </p:spPr>
+      </p:pic>
+      <p:sp>
+        <p:nvSpPr>
+          <p:cNvPr id="7" name="TextBox 6">
+            <a:extLst>
+              <a:ext uri="{FF2B5EF4-FFF2-40B4-BE49-F238E27FC236}">
+                <a16:creationId xmlns:a16="http://schemas.microsoft.com/office/drawing/2014/main" id="{5631AB70-5FFB-BE45-8C66-CA4449B2ED0E}"/>
+              </a:ext>
+            </a:extLst>
+          </p:cNvPr>
+          <p:cNvSpPr txBox="1"/>
+          <p:nvPr/>
+        </p:nvSpPr>
+        <p:spPr>
+          <a:xfrm>
+            <a:off x="838200" y="3153103"/>
+            <a:ext cx="9070428" cy="1384995"/>
+          </a:xfrm>
+          <a:prstGeom prst="rect">
+            <a:avLst/>
+          </a:prstGeom>
+          <a:noFill/>
+        </p:spPr>
+        <p:txBody>
+          <a:bodyPr wrap="square" rtlCol="0">
+            <a:spAutoFit/>
+          </a:bodyPr>
+          <a:lstStyle/>
+          <a:p>
+            <a:pPr marL="457200" indent="-457200">
+              <a:buClr>
+                <a:schemeClr val="accent1"/>
+              </a:buClr>
+              <a:buFont typeface="Arial" panose="020B0604020202020204" pitchFamily="34" charset="0"/>
+              <a:buChar char="•"/>
+            </a:pPr>
+            <a:r>
+              <a:rPr lang="en-US" sz="2800" dirty="0"/>
+              <a:t>Menu: Play button, choose the game mode</a:t>
+            </a:r>
+          </a:p>
+          <a:p>
+            <a:pPr marL="514350" indent="-514350">
+              <a:buClr>
+                <a:schemeClr val="accent1"/>
+              </a:buClr>
+              <a:buFont typeface="Arial" panose="020B0604020202020204" pitchFamily="34" charset="0"/>
+              <a:buChar char="•"/>
+            </a:pPr>
+            <a:r>
+              <a:rPr lang="en-US" sz="2800" dirty="0" err="1"/>
+              <a:t>SecondFrame</a:t>
+            </a:r>
+            <a:r>
+              <a:rPr lang="en-US" sz="2800" dirty="0"/>
+              <a:t>: Set number of nodes and number of edges</a:t>
+            </a:r>
+          </a:p>
+          <a:p>
+            <a:pPr marL="457200" indent="-457200">
+              <a:buClr>
+                <a:schemeClr val="accent1"/>
+              </a:buClr>
+              <a:buFont typeface="Arial" panose="020B0604020202020204" pitchFamily="34" charset="0"/>
+              <a:buChar char="•"/>
+            </a:pPr>
+            <a:r>
+              <a:rPr lang="en-US" sz="2800" dirty="0" err="1"/>
+              <a:t>GraphFrame</a:t>
+            </a:r>
+            <a:r>
+              <a:rPr lang="en-US" sz="2800" dirty="0"/>
+              <a:t>: Show the graph and allow coloring</a:t>
+            </a:r>
           </a:p>
         </p:txBody>
       </p:sp>
     </p:spTree>
     <p:extLst>
       <p:ext uri="{BB962C8B-B14F-4D97-AF65-F5344CB8AC3E}">
-        <p14:creationId xmlns:p14="http://schemas.microsoft.com/office/powerpoint/2010/main" val="2950192324"/>
+        <p14:creationId xmlns:p14="http://schemas.microsoft.com/office/powerpoint/2010/main" val="2532813235"/>
       </p:ext>
     </p:extLst>
   </p:cSld>
@@ -4137,7 +4711,7 @@
           <p:cNvPr id="2" name="Title 1">
             <a:extLst>
               <a:ext uri="{FF2B5EF4-FFF2-40B4-BE49-F238E27FC236}">
-                <a16:creationId xmlns:a16="http://schemas.microsoft.com/office/drawing/2014/main" id="{1CD10BDE-AA86-3741-93A1-CD6F318EB143}"/>
+                <a16:creationId xmlns:a16="http://schemas.microsoft.com/office/drawing/2014/main" id="{D258B77D-50FE-A84E-88AB-2E59B81ACEEA}"/>
               </a:ext>
             </a:extLst>
           </p:cNvPr>
@@ -4155,7 +4729,7 @@
           <a:p>
             <a:r>
               <a:rPr lang="en-US" dirty="0"/>
-              <a:t>Algorithms</a:t>
+              <a:t>Demo</a:t>
             </a:r>
           </a:p>
         </p:txBody>
@@ -4165,7 +4739,7 @@
           <p:cNvPr id="3" name="Content Placeholder 2">
             <a:extLst>
               <a:ext uri="{FF2B5EF4-FFF2-40B4-BE49-F238E27FC236}">
-                <a16:creationId xmlns:a16="http://schemas.microsoft.com/office/drawing/2014/main" id="{81C78043-1F72-B648-9AAF-8973C1672117}"/>
+                <a16:creationId xmlns:a16="http://schemas.microsoft.com/office/drawing/2014/main" id="{3C90B755-6D91-7648-8031-B7094D385A2D}"/>
               </a:ext>
             </a:extLst>
           </p:cNvPr>
@@ -4181,51 +4755,6 @@
           <a:bodyPr/>
           <a:lstStyle/>
           <a:p>
-            <a:r>
-              <a:rPr lang="en-US" dirty="0"/>
-              <a:t>Graphic user interface</a:t>
-            </a:r>
-          </a:p>
-          <a:p>
-            <a:r>
-              <a:rPr lang="en-US" dirty="0"/>
-              <a:t>Game modes</a:t>
-            </a:r>
-          </a:p>
-          <a:p>
-            <a:r>
-              <a:rPr lang="en-US" dirty="0"/>
-              <a:t>Hints:</a:t>
-            </a:r>
-            <a:br>
-              <a:rPr lang="en-US" dirty="0"/>
-            </a:br>
-            <a:r>
-              <a:rPr lang="en-US" dirty="0"/>
-              <a:t>- Show the colored graph for 3 seconds</a:t>
-            </a:r>
-            <a:br>
-              <a:rPr lang="en-US" dirty="0"/>
-            </a:br>
-            <a:r>
-              <a:rPr lang="en-US" dirty="0"/>
-              <a:t>- Suggest a color to an uncolored node</a:t>
-            </a:r>
-            <a:br>
-              <a:rPr lang="en-US" dirty="0"/>
-            </a:br>
-            <a:r>
-              <a:rPr lang="en-US" dirty="0"/>
-              <a:t>- </a:t>
-            </a:r>
-          </a:p>
-          <a:p>
-            <a:endParaRPr lang="en-US" dirty="0"/>
-          </a:p>
-          <a:p>
-            <a:endParaRPr lang="en-US" dirty="0"/>
-          </a:p>
-          <a:p>
             <a:endParaRPr lang="en-US" dirty="0"/>
           </a:p>
         </p:txBody>
@@ -4233,7 +4762,7 @@
     </p:spTree>
     <p:extLst>
       <p:ext uri="{BB962C8B-B14F-4D97-AF65-F5344CB8AC3E}">
-        <p14:creationId xmlns:p14="http://schemas.microsoft.com/office/powerpoint/2010/main" val="3415333852"/>
+        <p14:creationId xmlns:p14="http://schemas.microsoft.com/office/powerpoint/2010/main" val="2950192324"/>
       </p:ext>
     </p:extLst>
   </p:cSld>
@@ -4265,7 +4794,7 @@
           <p:cNvPr id="2" name="Title 1">
             <a:extLst>
               <a:ext uri="{FF2B5EF4-FFF2-40B4-BE49-F238E27FC236}">
-                <a16:creationId xmlns:a16="http://schemas.microsoft.com/office/drawing/2014/main" id="{2529DD1D-E10F-D648-B0A9-BF6B018763FD}"/>
+                <a16:creationId xmlns:a16="http://schemas.microsoft.com/office/drawing/2014/main" id="{1CD10BDE-AA86-3741-93A1-CD6F318EB143}"/>
               </a:ext>
             </a:extLst>
           </p:cNvPr>
@@ -4283,7 +4812,7 @@
           <a:p>
             <a:r>
               <a:rPr lang="en-US" dirty="0"/>
-              <a:t>Suggest a color to an uncolored node</a:t>
+              <a:t>Algorithms</a:t>
             </a:r>
           </a:p>
         </p:txBody>
@@ -4293,7 +4822,7 @@
           <p:cNvPr id="3" name="Content Placeholder 2">
             <a:extLst>
               <a:ext uri="{FF2B5EF4-FFF2-40B4-BE49-F238E27FC236}">
-                <a16:creationId xmlns:a16="http://schemas.microsoft.com/office/drawing/2014/main" id="{9FDED050-4547-3344-8276-DED516AFA945}"/>
+                <a16:creationId xmlns:a16="http://schemas.microsoft.com/office/drawing/2014/main" id="{81C78043-1F72-B648-9AAF-8973C1672117}"/>
               </a:ext>
             </a:extLst>
           </p:cNvPr>
@@ -4309,74 +4838,51 @@
           <a:bodyPr/>
           <a:lstStyle/>
           <a:p>
-            <a:pPr marL="0" indent="0">
-              <a:buNone/>
-            </a:pPr>
-            <a:r>
-              <a:rPr lang="en-US" dirty="0"/>
-              <a:t>Pseudocode:</a:t>
-            </a:r>
-          </a:p>
-          <a:p>
-            <a:pPr marL="0" indent="0">
-              <a:buNone/>
-            </a:pPr>
-            <a:r>
-              <a:rPr lang="en-US" dirty="0"/>
-              <a:t>For each un-colored node:</a:t>
-            </a:r>
-          </a:p>
-          <a:p>
-            <a:pPr marL="0" indent="0">
-              <a:buNone/>
-            </a:pPr>
-            <a:r>
-              <a:rPr lang="en-US" dirty="0"/>
-              <a:t>	if an available </a:t>
-            </a:r>
-            <a:r>
-              <a:rPr lang="en-US" dirty="0" err="1"/>
-              <a:t>colour</a:t>
-            </a:r>
-            <a:r>
-              <a:rPr lang="en-US" dirty="0"/>
-              <a:t> can be used </a:t>
-            </a:r>
-          </a:p>
-          <a:p>
-            <a:pPr marL="0" indent="0">
-              <a:buNone/>
-            </a:pPr>
-            <a:r>
-              <a:rPr lang="en-US" dirty="0"/>
-              <a:t>		then return the node and the </a:t>
-            </a:r>
-            <a:r>
-              <a:rPr lang="en-US" dirty="0" err="1"/>
-              <a:t>colour</a:t>
-            </a:r>
+            <a:r>
+              <a:rPr lang="en-US" sz="2800" dirty="0"/>
+              <a:t>Graphic user interface</a:t>
+            </a:r>
+          </a:p>
+          <a:p>
+            <a:r>
+              <a:rPr lang="en-US" sz="2800" dirty="0"/>
+              <a:t>Game modes</a:t>
+            </a:r>
+          </a:p>
+          <a:p>
+            <a:r>
+              <a:rPr lang="en-US" sz="2800" dirty="0"/>
+              <a:t>Hints:</a:t>
+            </a:r>
+            <a:br>
+              <a:rPr lang="en-US" sz="2800" dirty="0"/>
+            </a:br>
+            <a:r>
+              <a:rPr lang="en-US" sz="2800" dirty="0"/>
+              <a:t>- Show the colored graph for 3 seconds</a:t>
+            </a:r>
+            <a:br>
+              <a:rPr lang="en-US" sz="2800" dirty="0"/>
+            </a:br>
+            <a:r>
+              <a:rPr lang="en-US" sz="2800" dirty="0"/>
+              <a:t>- Suggest a color to an uncolored node</a:t>
+            </a:r>
+            <a:br>
+              <a:rPr lang="en-US" sz="2800" dirty="0"/>
+            </a:br>
+            <a:r>
+              <a:rPr lang="en-US" sz="2800" dirty="0"/>
+              <a:t>- </a:t>
+            </a:r>
+          </a:p>
+          <a:p>
             <a:endParaRPr lang="en-US" dirty="0"/>
           </a:p>
           <a:p>
-            <a:pPr marL="0" indent="0">
-              <a:buNone/>
-            </a:pPr>
-            <a:r>
-              <a:rPr lang="en-US" dirty="0"/>
-              <a:t>Return any un-</a:t>
-            </a:r>
-            <a:r>
-              <a:rPr lang="en-US" dirty="0" err="1"/>
-              <a:t>coloured</a:t>
-            </a:r>
-            <a:r>
-              <a:rPr lang="en-US" dirty="0"/>
-              <a:t> node and a new </a:t>
-            </a:r>
-            <a:r>
-              <a:rPr lang="en-US" dirty="0" err="1"/>
-              <a:t>colour</a:t>
-            </a:r>
+            <a:endParaRPr lang="en-US" dirty="0"/>
+          </a:p>
+          <a:p>
             <a:endParaRPr lang="en-US" dirty="0"/>
           </a:p>
         </p:txBody>
@@ -4384,7 +4890,7 @@
     </p:spTree>
     <p:extLst>
       <p:ext uri="{BB962C8B-B14F-4D97-AF65-F5344CB8AC3E}">
-        <p14:creationId xmlns:p14="http://schemas.microsoft.com/office/powerpoint/2010/main" val="2957857215"/>
+        <p14:creationId xmlns:p14="http://schemas.microsoft.com/office/powerpoint/2010/main" val="3415333852"/>
       </p:ext>
     </p:extLst>
   </p:cSld>
@@ -4416,7 +4922,7 @@
           <p:cNvPr id="2" name="Title 1">
             <a:extLst>
               <a:ext uri="{FF2B5EF4-FFF2-40B4-BE49-F238E27FC236}">
-                <a16:creationId xmlns:a16="http://schemas.microsoft.com/office/drawing/2014/main" id="{F83FD95F-5019-2D4E-A83D-551F437A1057}"/>
+                <a16:creationId xmlns:a16="http://schemas.microsoft.com/office/drawing/2014/main" id="{2529DD1D-E10F-D648-B0A9-BF6B018763FD}"/>
               </a:ext>
             </a:extLst>
           </p:cNvPr>
@@ -4434,7 +4940,7 @@
           <a:p>
             <a:r>
               <a:rPr lang="en-US" dirty="0"/>
-              <a:t>Conclusion</a:t>
+              <a:t>Suggest a color to an uncolored node</a:t>
             </a:r>
           </a:p>
         </p:txBody>
@@ -4444,7 +4950,7 @@
           <p:cNvPr id="3" name="Content Placeholder 2">
             <a:extLst>
               <a:ext uri="{FF2B5EF4-FFF2-40B4-BE49-F238E27FC236}">
-                <a16:creationId xmlns:a16="http://schemas.microsoft.com/office/drawing/2014/main" id="{ECD673F7-B592-154F-BB20-389F3B887DDF}"/>
+                <a16:creationId xmlns:a16="http://schemas.microsoft.com/office/drawing/2014/main" id="{9FDED050-4547-3344-8276-DED516AFA945}"/>
               </a:ext>
             </a:extLst>
           </p:cNvPr>
@@ -4460,18 +4966,74 @@
           <a:bodyPr/>
           <a:lstStyle/>
           <a:p>
+            <a:pPr marL="0" indent="0">
+              <a:buNone/>
+            </a:pPr>
             <a:r>
               <a:rPr lang="en-US" dirty="0"/>
-              <a:t>Algorithm for finding chromatic number can be used to make games.</a:t>
-            </a:r>
-          </a:p>
-          <a:p>
+              <a:t>Pseudocode:</a:t>
+            </a:r>
+          </a:p>
+          <a:p>
+            <a:pPr marL="0" indent="0">
+              <a:buNone/>
+            </a:pPr>
             <a:r>
               <a:rPr lang="en-US" dirty="0"/>
-              <a:t>Graphic user interface plays an important role in making the game more interesting, and easier for the player to interpret the graph-coloring problem.</a:t>
-            </a:r>
-          </a:p>
-          <a:p>
+              <a:t>For each un-colored node:</a:t>
+            </a:r>
+          </a:p>
+          <a:p>
+            <a:pPr marL="0" indent="0">
+              <a:buNone/>
+            </a:pPr>
+            <a:r>
+              <a:rPr lang="en-US" dirty="0"/>
+              <a:t>	if an available </a:t>
+            </a:r>
+            <a:r>
+              <a:rPr lang="en-US" dirty="0" err="1"/>
+              <a:t>colour</a:t>
+            </a:r>
+            <a:r>
+              <a:rPr lang="en-US" dirty="0"/>
+              <a:t> can be used </a:t>
+            </a:r>
+          </a:p>
+          <a:p>
+            <a:pPr marL="0" indent="0">
+              <a:buNone/>
+            </a:pPr>
+            <a:r>
+              <a:rPr lang="en-US" dirty="0"/>
+              <a:t>		then return the node and the </a:t>
+            </a:r>
+            <a:r>
+              <a:rPr lang="en-US" dirty="0" err="1"/>
+              <a:t>colour</a:t>
+            </a:r>
+            <a:endParaRPr lang="en-US" dirty="0"/>
+          </a:p>
+          <a:p>
+            <a:pPr marL="0" indent="0">
+              <a:buNone/>
+            </a:pPr>
+            <a:r>
+              <a:rPr lang="en-US" dirty="0"/>
+              <a:t>Return any un-</a:t>
+            </a:r>
+            <a:r>
+              <a:rPr lang="en-US" dirty="0" err="1"/>
+              <a:t>coloured</a:t>
+            </a:r>
+            <a:r>
+              <a:rPr lang="en-US" dirty="0"/>
+              <a:t> node and a new </a:t>
+            </a:r>
+            <a:r>
+              <a:rPr lang="en-US" dirty="0" err="1"/>
+              <a:t>colour</a:t>
+            </a:r>
             <a:endParaRPr lang="en-US" dirty="0"/>
           </a:p>
         </p:txBody>
@@ -4479,7 +5041,7 @@
     </p:spTree>
     <p:extLst>
       <p:ext uri="{BB962C8B-B14F-4D97-AF65-F5344CB8AC3E}">
-        <p14:creationId xmlns:p14="http://schemas.microsoft.com/office/powerpoint/2010/main" val="4225039887"/>
+        <p14:creationId xmlns:p14="http://schemas.microsoft.com/office/powerpoint/2010/main" val="2957857215"/>
       </p:ext>
     </p:extLst>
   </p:cSld>
@@ -4511,6 +5073,101 @@
           <p:cNvPr id="2" name="Title 1">
             <a:extLst>
               <a:ext uri="{FF2B5EF4-FFF2-40B4-BE49-F238E27FC236}">
+                <a16:creationId xmlns:a16="http://schemas.microsoft.com/office/drawing/2014/main" id="{F83FD95F-5019-2D4E-A83D-551F437A1057}"/>
+              </a:ext>
+            </a:extLst>
+          </p:cNvPr>
+          <p:cNvSpPr>
+            <a:spLocks noGrp="1"/>
+          </p:cNvSpPr>
+          <p:nvPr>
+            <p:ph type="title"/>
+          </p:nvPr>
+        </p:nvSpPr>
+        <p:spPr/>
+        <p:txBody>
+          <a:bodyPr/>
+          <a:lstStyle/>
+          <a:p>
+            <a:r>
+              <a:rPr lang="en-US" dirty="0"/>
+              <a:t>Conclusion</a:t>
+            </a:r>
+          </a:p>
+        </p:txBody>
+      </p:sp>
+      <p:sp>
+        <p:nvSpPr>
+          <p:cNvPr id="3" name="Content Placeholder 2">
+            <a:extLst>
+              <a:ext uri="{FF2B5EF4-FFF2-40B4-BE49-F238E27FC236}">
+                <a16:creationId xmlns:a16="http://schemas.microsoft.com/office/drawing/2014/main" id="{ECD673F7-B592-154F-BB20-389F3B887DDF}"/>
+              </a:ext>
+            </a:extLst>
+          </p:cNvPr>
+          <p:cNvSpPr>
+            <a:spLocks noGrp="1"/>
+          </p:cNvSpPr>
+          <p:nvPr>
+            <p:ph idx="1"/>
+          </p:nvPr>
+        </p:nvSpPr>
+        <p:spPr/>
+        <p:txBody>
+          <a:bodyPr/>
+          <a:lstStyle/>
+          <a:p>
+            <a:r>
+              <a:rPr lang="en-US" sz="2800" dirty="0"/>
+              <a:t>Make a game </a:t>
+            </a:r>
+          </a:p>
+          <a:p>
+            <a:r>
+              <a:rPr lang="en-US" sz="2800" dirty="0"/>
+              <a:t>Role of GUI</a:t>
+            </a:r>
+          </a:p>
+          <a:p>
+            <a:endParaRPr lang="en-US" dirty="0"/>
+          </a:p>
+        </p:txBody>
+      </p:sp>
+    </p:spTree>
+    <p:extLst>
+      <p:ext uri="{BB962C8B-B14F-4D97-AF65-F5344CB8AC3E}">
+        <p14:creationId xmlns:p14="http://schemas.microsoft.com/office/powerpoint/2010/main" val="4225039887"/>
+      </p:ext>
+    </p:extLst>
+  </p:cSld>
+  <p:clrMapOvr>
+    <a:masterClrMapping/>
+  </p:clrMapOvr>
+</p:sld>
+</file>
+
+<file path=ppt/slides/slide9.xml><?xml version="1.0" encoding="utf-8"?>
+<p:sld xmlns:a="http://schemas.openxmlformats.org/drawingml/2006/main" xmlns:r="http://schemas.openxmlformats.org/officeDocument/2006/relationships" xmlns:p="http://schemas.openxmlformats.org/presentationml/2006/main">
+  <p:cSld>
+    <p:spTree>
+      <p:nvGrpSpPr>
+        <p:cNvPr id="1" name=""/>
+        <p:cNvGrpSpPr/>
+        <p:nvPr/>
+      </p:nvGrpSpPr>
+      <p:grpSpPr>
+        <a:xfrm>
+          <a:off x="0" y="0"/>
+          <a:ext cx="0" cy="0"/>
+          <a:chOff x="0" y="0"/>
+          <a:chExt cx="0" cy="0"/>
+        </a:xfrm>
+      </p:grpSpPr>
+      <p:sp>
+        <p:nvSpPr>
+          <p:cNvPr id="2" name="Title 1">
+            <a:extLst>
+              <a:ext uri="{FF2B5EF4-FFF2-40B4-BE49-F238E27FC236}">
                 <a16:creationId xmlns:a16="http://schemas.microsoft.com/office/drawing/2014/main" id="{830355D1-A67C-3C42-9B0D-CA4ED46214D0}"/>
               </a:ext>
             </a:extLst>
@@ -4538,31 +5195,35 @@
           </a:p>
         </p:txBody>
       </p:sp>
-      <p:sp>
-        <p:nvSpPr>
-          <p:cNvPr id="3" name="Content Placeholder 2">
+      <p:pic>
+        <p:nvPicPr>
+          <p:cNvPr id="5" name="Content Placeholder 4">
             <a:extLst>
               <a:ext uri="{FF2B5EF4-FFF2-40B4-BE49-F238E27FC236}">
-                <a16:creationId xmlns:a16="http://schemas.microsoft.com/office/drawing/2014/main" id="{E78265E7-3450-7F4D-BE91-C239FF13FD90}"/>
+                <a16:creationId xmlns:a16="http://schemas.microsoft.com/office/drawing/2014/main" id="{C9B78A2C-4FAB-9741-BCEC-1AB156370236}"/>
               </a:ext>
             </a:extLst>
           </p:cNvPr>
-          <p:cNvSpPr>
-            <a:spLocks noGrp="1"/>
-          </p:cNvSpPr>
+          <p:cNvPicPr>
+            <a:picLocks noGrp="1" noChangeAspect="1"/>
+          </p:cNvPicPr>
           <p:nvPr>
             <p:ph idx="1"/>
           </p:nvPr>
-        </p:nvSpPr>
-        <p:spPr/>
-        <p:txBody>
-          <a:bodyPr/>
-          <a:lstStyle/>
-          <a:p>
-            <a:endParaRPr lang="en-US"/>
-          </a:p>
-        </p:txBody>
-      </p:sp>
+        </p:nvPicPr>
+        <p:blipFill>
+          <a:blip r:embed="rId2"/>
+          <a:stretch>
+            <a:fillRect/>
+          </a:stretch>
+        </p:blipFill>
+        <p:spPr>
+          <a:xfrm>
+            <a:off x="149086" y="2631805"/>
+            <a:ext cx="11946835" cy="2141145"/>
+          </a:xfrm>
+        </p:spPr>
+      </p:pic>
     </p:spTree>
     <p:extLst>
       <p:ext uri="{BB962C8B-B14F-4D97-AF65-F5344CB8AC3E}">

--- a/Project1-1/Phase2/Presentation2.pptx
+++ b/Project1-1/Phase2/Presentation2.pptx
@@ -11,9 +11,8 @@
     <p:sldId id="258" r:id="rId5"/>
     <p:sldId id="259" r:id="rId6"/>
     <p:sldId id="260" r:id="rId7"/>
-    <p:sldId id="262" r:id="rId8"/>
-    <p:sldId id="261" r:id="rId9"/>
-    <p:sldId id="263" r:id="rId10"/>
+    <p:sldId id="261" r:id="rId8"/>
+    <p:sldId id="263" r:id="rId9"/>
   </p:sldIdLst>
   <p:sldSz cx="12192000" cy="6858000"/>
   <p:notesSz cx="6858000" cy="9144000"/>
@@ -3753,7 +3752,7 @@
         </p:nvSpPr>
         <p:spPr>
           <a:xfrm>
-            <a:off x="8391166" y="3756989"/>
+            <a:off x="7765001" y="3776865"/>
             <a:ext cx="2663688" cy="1719293"/>
           </a:xfrm>
           <a:prstGeom prst="rect">
@@ -3998,6 +3997,14 @@
             </a:r>
             <a:r>
               <a:rPr lang="en-US" sz="1900" dirty="0" err="1"/>
+              <a:t>Sirul</a:t>
+            </a:r>
+            <a:r>
+              <a:rPr lang="en-US" sz="1900" dirty="0"/>
+              <a:t> </a:t>
+            </a:r>
+            <a:r>
+              <a:rPr lang="en-US" sz="1900" dirty="0" err="1"/>
               <a:t>Velaga</a:t>
             </a:r>
             <a:r>
@@ -4349,14 +4356,16 @@
         </p:nvSpPr>
         <p:spPr/>
         <p:txBody>
-          <a:bodyPr/>
-          <a:lstStyle/>
-          <a:p>
-            <a:r>
-              <a:rPr lang="nl-NL" altLang="en-US" dirty="0"/>
+          <a:bodyPr>
+            <a:normAutofit/>
+          </a:bodyPr>
+          <a:lstStyle/>
+          <a:p>
+            <a:r>
+              <a:rPr lang="nl-NL" altLang="en-US" sz="3600" dirty="0"/>
               <a:t>agenda</a:t>
             </a:r>
-            <a:endParaRPr lang="en-US" dirty="0"/>
+            <a:endParaRPr lang="en-US" sz="3600" dirty="0"/>
           </a:p>
         </p:txBody>
       </p:sp>
@@ -4391,7 +4400,7 @@
           <a:p>
             <a:r>
               <a:rPr lang="en-US" sz="2800" dirty="0"/>
-              <a:t>Structure</a:t>
+              <a:t>Interface</a:t>
             </a:r>
           </a:p>
           <a:p>
@@ -4465,18 +4474,20 @@
         </p:nvSpPr>
         <p:spPr/>
         <p:txBody>
-          <a:bodyPr/>
-          <a:lstStyle/>
-          <a:p>
-            <a:r>
-              <a:rPr lang="nl-NL" altLang="en-US" dirty="0" err="1"/>
+          <a:bodyPr>
+            <a:normAutofit/>
+          </a:bodyPr>
+          <a:lstStyle/>
+          <a:p>
+            <a:r>
+              <a:rPr lang="nl-NL" altLang="en-US" sz="3600" dirty="0" err="1"/>
               <a:t>Problem</a:t>
             </a:r>
             <a:r>
-              <a:rPr lang="nl-NL" altLang="en-US" dirty="0"/>
+              <a:rPr lang="nl-NL" altLang="en-US" sz="3600" dirty="0"/>
               <a:t> statement</a:t>
             </a:r>
-            <a:endParaRPr lang="en-US" dirty="0"/>
+            <a:endParaRPr lang="en-US" sz="3600" dirty="0"/>
           </a:p>
         </p:txBody>
       </p:sp>
@@ -4561,12 +4572,14 @@
         </p:nvSpPr>
         <p:spPr/>
         <p:txBody>
-          <a:bodyPr/>
-          <a:lstStyle/>
-          <a:p>
-            <a:r>
-              <a:rPr lang="en-US" dirty="0"/>
-              <a:t>Structure</a:t>
+          <a:bodyPr>
+            <a:normAutofit/>
+          </a:bodyPr>
+          <a:lstStyle/>
+          <a:p>
+            <a:r>
+              <a:rPr lang="en-US" sz="3600" dirty="0"/>
+              <a:t>Interface</a:t>
             </a:r>
           </a:p>
         </p:txBody>
@@ -4724,11 +4737,13 @@
         </p:nvSpPr>
         <p:spPr/>
         <p:txBody>
-          <a:bodyPr/>
-          <a:lstStyle/>
-          <a:p>
-            <a:r>
-              <a:rPr lang="en-US" dirty="0"/>
+          <a:bodyPr>
+            <a:normAutofit/>
+          </a:bodyPr>
+          <a:lstStyle/>
+          <a:p>
+            <a:r>
+              <a:rPr lang="en-US" sz="3600" dirty="0"/>
               <a:t>Demo</a:t>
             </a:r>
           </a:p>
@@ -4807,11 +4822,13 @@
         </p:nvSpPr>
         <p:spPr/>
         <p:txBody>
-          <a:bodyPr/>
-          <a:lstStyle/>
-          <a:p>
-            <a:r>
-              <a:rPr lang="en-US" dirty="0"/>
+          <a:bodyPr>
+            <a:normAutofit/>
+          </a:bodyPr>
+          <a:lstStyle/>
+          <a:p>
+            <a:r>
+              <a:rPr lang="en-US" sz="3600" dirty="0"/>
               <a:t>Algorithms</a:t>
             </a:r>
           </a:p>
@@ -4873,7 +4890,7 @@
             </a:br>
             <a:r>
               <a:rPr lang="en-US" sz="2800" dirty="0"/>
-              <a:t>- </a:t>
+              <a:t>- Chromatic number</a:t>
             </a:r>
           </a:p>
           <a:p>
@@ -4922,7 +4939,7 @@
           <p:cNvPr id="2" name="Title 1">
             <a:extLst>
               <a:ext uri="{FF2B5EF4-FFF2-40B4-BE49-F238E27FC236}">
-                <a16:creationId xmlns:a16="http://schemas.microsoft.com/office/drawing/2014/main" id="{2529DD1D-E10F-D648-B0A9-BF6B018763FD}"/>
+                <a16:creationId xmlns:a16="http://schemas.microsoft.com/office/drawing/2014/main" id="{F83FD95F-5019-2D4E-A83D-551F437A1057}"/>
               </a:ext>
             </a:extLst>
           </p:cNvPr>
@@ -4935,12 +4952,14 @@
         </p:nvSpPr>
         <p:spPr/>
         <p:txBody>
-          <a:bodyPr/>
-          <a:lstStyle/>
-          <a:p>
-            <a:r>
-              <a:rPr lang="en-US" dirty="0"/>
-              <a:t>Suggest a color to an uncolored node</a:t>
+          <a:bodyPr>
+            <a:normAutofit/>
+          </a:bodyPr>
+          <a:lstStyle/>
+          <a:p>
+            <a:r>
+              <a:rPr lang="en-US" sz="3600" dirty="0"/>
+              <a:t>Conclusion</a:t>
             </a:r>
           </a:p>
         </p:txBody>
@@ -4950,7 +4969,7 @@
           <p:cNvPr id="3" name="Content Placeholder 2">
             <a:extLst>
               <a:ext uri="{FF2B5EF4-FFF2-40B4-BE49-F238E27FC236}">
-                <a16:creationId xmlns:a16="http://schemas.microsoft.com/office/drawing/2014/main" id="{9FDED050-4547-3344-8276-DED516AFA945}"/>
+                <a16:creationId xmlns:a16="http://schemas.microsoft.com/office/drawing/2014/main" id="{ECD673F7-B592-154F-BB20-389F3B887DDF}"/>
               </a:ext>
             </a:extLst>
           </p:cNvPr>
@@ -4966,74 +4985,18 @@
           <a:bodyPr/>
           <a:lstStyle/>
           <a:p>
-            <a:pPr marL="0" indent="0">
-              <a:buNone/>
-            </a:pPr>
-            <a:r>
-              <a:rPr lang="en-US" dirty="0"/>
-              <a:t>Pseudocode:</a:t>
-            </a:r>
-          </a:p>
-          <a:p>
-            <a:pPr marL="0" indent="0">
-              <a:buNone/>
-            </a:pPr>
-            <a:r>
-              <a:rPr lang="en-US" dirty="0"/>
-              <a:t>For each un-colored node:</a:t>
-            </a:r>
-          </a:p>
-          <a:p>
-            <a:pPr marL="0" indent="0">
-              <a:buNone/>
-            </a:pPr>
-            <a:r>
-              <a:rPr lang="en-US" dirty="0"/>
-              <a:t>	if an available </a:t>
-            </a:r>
-            <a:r>
-              <a:rPr lang="en-US" dirty="0" err="1"/>
-              <a:t>colour</a:t>
-            </a:r>
-            <a:r>
-              <a:rPr lang="en-US" dirty="0"/>
-              <a:t> can be used </a:t>
-            </a:r>
-          </a:p>
-          <a:p>
-            <a:pPr marL="0" indent="0">
-              <a:buNone/>
-            </a:pPr>
-            <a:r>
-              <a:rPr lang="en-US" dirty="0"/>
-              <a:t>		then return the node and the </a:t>
-            </a:r>
-            <a:r>
-              <a:rPr lang="en-US" dirty="0" err="1"/>
-              <a:t>colour</a:t>
-            </a:r>
-            <a:endParaRPr lang="en-US" dirty="0"/>
-          </a:p>
-          <a:p>
-            <a:pPr marL="0" indent="0">
-              <a:buNone/>
-            </a:pPr>
-            <a:r>
-              <a:rPr lang="en-US" dirty="0"/>
-              <a:t>Return any un-</a:t>
-            </a:r>
-            <a:r>
-              <a:rPr lang="en-US" dirty="0" err="1"/>
-              <a:t>coloured</a:t>
-            </a:r>
-            <a:r>
-              <a:rPr lang="en-US" dirty="0"/>
-              <a:t> node and a new </a:t>
-            </a:r>
-            <a:r>
-              <a:rPr lang="en-US" dirty="0" err="1"/>
-              <a:t>colour</a:t>
-            </a:r>
+            <a:r>
+              <a:rPr lang="en-US" sz="2800" dirty="0"/>
+              <a:t>Make a game </a:t>
+            </a:r>
+          </a:p>
+          <a:p>
+            <a:r>
+              <a:rPr lang="en-US" sz="2800" dirty="0"/>
+              <a:t>Role of GUI</a:t>
+            </a:r>
+          </a:p>
+          <a:p>
             <a:endParaRPr lang="en-US" dirty="0"/>
           </a:p>
         </p:txBody>
@@ -5041,7 +5004,7 @@
     </p:spTree>
     <p:extLst>
       <p:ext uri="{BB962C8B-B14F-4D97-AF65-F5344CB8AC3E}">
-        <p14:creationId xmlns:p14="http://schemas.microsoft.com/office/powerpoint/2010/main" val="2957857215"/>
+        <p14:creationId xmlns:p14="http://schemas.microsoft.com/office/powerpoint/2010/main" val="4225039887"/>
       </p:ext>
     </p:extLst>
   </p:cSld>
@@ -5073,101 +5036,6 @@
           <p:cNvPr id="2" name="Title 1">
             <a:extLst>
               <a:ext uri="{FF2B5EF4-FFF2-40B4-BE49-F238E27FC236}">
-                <a16:creationId xmlns:a16="http://schemas.microsoft.com/office/drawing/2014/main" id="{F83FD95F-5019-2D4E-A83D-551F437A1057}"/>
-              </a:ext>
-            </a:extLst>
-          </p:cNvPr>
-          <p:cNvSpPr>
-            <a:spLocks noGrp="1"/>
-          </p:cNvSpPr>
-          <p:nvPr>
-            <p:ph type="title"/>
-          </p:nvPr>
-        </p:nvSpPr>
-        <p:spPr/>
-        <p:txBody>
-          <a:bodyPr/>
-          <a:lstStyle/>
-          <a:p>
-            <a:r>
-              <a:rPr lang="en-US" dirty="0"/>
-              <a:t>Conclusion</a:t>
-            </a:r>
-          </a:p>
-        </p:txBody>
-      </p:sp>
-      <p:sp>
-        <p:nvSpPr>
-          <p:cNvPr id="3" name="Content Placeholder 2">
-            <a:extLst>
-              <a:ext uri="{FF2B5EF4-FFF2-40B4-BE49-F238E27FC236}">
-                <a16:creationId xmlns:a16="http://schemas.microsoft.com/office/drawing/2014/main" id="{ECD673F7-B592-154F-BB20-389F3B887DDF}"/>
-              </a:ext>
-            </a:extLst>
-          </p:cNvPr>
-          <p:cNvSpPr>
-            <a:spLocks noGrp="1"/>
-          </p:cNvSpPr>
-          <p:nvPr>
-            <p:ph idx="1"/>
-          </p:nvPr>
-        </p:nvSpPr>
-        <p:spPr/>
-        <p:txBody>
-          <a:bodyPr/>
-          <a:lstStyle/>
-          <a:p>
-            <a:r>
-              <a:rPr lang="en-US" sz="2800" dirty="0"/>
-              <a:t>Make a game </a:t>
-            </a:r>
-          </a:p>
-          <a:p>
-            <a:r>
-              <a:rPr lang="en-US" sz="2800" dirty="0"/>
-              <a:t>Role of GUI</a:t>
-            </a:r>
-          </a:p>
-          <a:p>
-            <a:endParaRPr lang="en-US" dirty="0"/>
-          </a:p>
-        </p:txBody>
-      </p:sp>
-    </p:spTree>
-    <p:extLst>
-      <p:ext uri="{BB962C8B-B14F-4D97-AF65-F5344CB8AC3E}">
-        <p14:creationId xmlns:p14="http://schemas.microsoft.com/office/powerpoint/2010/main" val="4225039887"/>
-      </p:ext>
-    </p:extLst>
-  </p:cSld>
-  <p:clrMapOvr>
-    <a:masterClrMapping/>
-  </p:clrMapOvr>
-</p:sld>
-</file>
-
-<file path=ppt/slides/slide9.xml><?xml version="1.0" encoding="utf-8"?>
-<p:sld xmlns:a="http://schemas.openxmlformats.org/drawingml/2006/main" xmlns:r="http://schemas.openxmlformats.org/officeDocument/2006/relationships" xmlns:p="http://schemas.openxmlformats.org/presentationml/2006/main">
-  <p:cSld>
-    <p:spTree>
-      <p:nvGrpSpPr>
-        <p:cNvPr id="1" name=""/>
-        <p:cNvGrpSpPr/>
-        <p:nvPr/>
-      </p:nvGrpSpPr>
-      <p:grpSpPr>
-        <a:xfrm>
-          <a:off x="0" y="0"/>
-          <a:ext cx="0" cy="0"/>
-          <a:chOff x="0" y="0"/>
-          <a:chExt cx="0" cy="0"/>
-        </a:xfrm>
-      </p:grpSpPr>
-      <p:sp>
-        <p:nvSpPr>
-          <p:cNvPr id="2" name="Title 1">
-            <a:extLst>
-              <a:ext uri="{FF2B5EF4-FFF2-40B4-BE49-F238E27FC236}">
                 <a16:creationId xmlns:a16="http://schemas.microsoft.com/office/drawing/2014/main" id="{830355D1-A67C-3C42-9B0D-CA4ED46214D0}"/>
               </a:ext>
             </a:extLst>
@@ -5181,16 +5049,14 @@
         </p:nvSpPr>
         <p:spPr/>
         <p:txBody>
-          <a:bodyPr/>
-          <a:lstStyle/>
-          <a:p>
-            <a:r>
-              <a:rPr lang="en-US" dirty="0"/>
-              <a:t>Plan </a:t>
-            </a:r>
-            <a:r>
-              <a:rPr lang="en-US"/>
-              <a:t>for phase 3</a:t>
+          <a:bodyPr>
+            <a:normAutofit/>
+          </a:bodyPr>
+          <a:lstStyle/>
+          <a:p>
+            <a:r>
+              <a:rPr lang="en-US" sz="3600" dirty="0"/>
+              <a:t>Plan for phase 3</a:t>
             </a:r>
           </a:p>
         </p:txBody>

--- a/Project1-1/Phase2/Presentation2.pptx
+++ b/Project1-1/Phase2/Presentation2.pptx
@@ -3997,14 +3997,6 @@
             </a:r>
             <a:r>
               <a:rPr lang="en-US" sz="1900" dirty="0" err="1"/>
-              <a:t>Sirul</a:t>
-            </a:r>
-            <a:r>
-              <a:rPr lang="en-US" sz="1900" dirty="0"/>
-              <a:t> </a:t>
-            </a:r>
-            <a:r>
-              <a:rPr lang="en-US" sz="1900" dirty="0" err="1"/>
               <a:t>Velaga</a:t>
             </a:r>
             <a:r>
@@ -4995,6 +4987,13 @@
               <a:rPr lang="en-US" sz="2800" dirty="0"/>
               <a:t>Role of GUI</a:t>
             </a:r>
+          </a:p>
+          <a:p>
+            <a:r>
+              <a:rPr lang="en-US" sz="2800"/>
+              <a:t>Hints</a:t>
+            </a:r>
+            <a:endParaRPr lang="en-US" sz="2800" dirty="0"/>
           </a:p>
           <a:p>
             <a:endParaRPr lang="en-US" dirty="0"/>

--- a/Project1-1/Phase2/Presentation2.pptx
+++ b/Project1-1/Phase2/Presentation2.pptx
@@ -258,7 +258,7 @@
           <a:p>
             <a:fld id="{3180237B-A893-794D-AF7D-E271C4EE1DEA}" type="datetimeFigureOut">
               <a:rPr lang="en-US" smtClean="0"/>
-              <a:t>12/11/18</a:t>
+              <a:t>12/14/18</a:t>
             </a:fld>
             <a:endParaRPr lang="en-US"/>
           </a:p>
@@ -469,7 +469,7 @@
           <a:p>
             <a:fld id="{3180237B-A893-794D-AF7D-E271C4EE1DEA}" type="datetimeFigureOut">
               <a:rPr lang="en-US" smtClean="0"/>
-              <a:t>12/11/18</a:t>
+              <a:t>12/14/18</a:t>
             </a:fld>
             <a:endParaRPr lang="en-US"/>
           </a:p>
@@ -684,7 +684,7 @@
           <a:p>
             <a:fld id="{3180237B-A893-794D-AF7D-E271C4EE1DEA}" type="datetimeFigureOut">
               <a:rPr lang="en-US" smtClean="0"/>
-              <a:t>12/11/18</a:t>
+              <a:t>12/14/18</a:t>
             </a:fld>
             <a:endParaRPr lang="en-US"/>
           </a:p>
@@ -885,7 +885,7 @@
           <a:p>
             <a:fld id="{3180237B-A893-794D-AF7D-E271C4EE1DEA}" type="datetimeFigureOut">
               <a:rPr lang="en-US" smtClean="0"/>
-              <a:t>12/11/18</a:t>
+              <a:t>12/14/18</a:t>
             </a:fld>
             <a:endParaRPr lang="en-US"/>
           </a:p>
@@ -1164,7 +1164,7 @@
           <a:p>
             <a:fld id="{3180237B-A893-794D-AF7D-E271C4EE1DEA}" type="datetimeFigureOut">
               <a:rPr lang="en-US" smtClean="0"/>
-              <a:t>12/11/18</a:t>
+              <a:t>12/14/18</a:t>
             </a:fld>
             <a:endParaRPr lang="en-US"/>
           </a:p>
@@ -1432,7 +1432,7 @@
           <a:p>
             <a:fld id="{3180237B-A893-794D-AF7D-E271C4EE1DEA}" type="datetimeFigureOut">
               <a:rPr lang="en-US" smtClean="0"/>
-              <a:t>12/11/18</a:t>
+              <a:t>12/14/18</a:t>
             </a:fld>
             <a:endParaRPr lang="en-US"/>
           </a:p>
@@ -1848,7 +1848,7 @@
           <a:p>
             <a:fld id="{3180237B-A893-794D-AF7D-E271C4EE1DEA}" type="datetimeFigureOut">
               <a:rPr lang="en-US" smtClean="0"/>
-              <a:t>12/11/18</a:t>
+              <a:t>12/14/18</a:t>
             </a:fld>
             <a:endParaRPr lang="en-US"/>
           </a:p>
@@ -1997,7 +1997,7 @@
           <a:p>
             <a:fld id="{3180237B-A893-794D-AF7D-E271C4EE1DEA}" type="datetimeFigureOut">
               <a:rPr lang="en-US" smtClean="0"/>
-              <a:t>12/11/18</a:t>
+              <a:t>12/14/18</a:t>
             </a:fld>
             <a:endParaRPr lang="en-US"/>
           </a:p>
@@ -2123,7 +2123,7 @@
           <a:p>
             <a:fld id="{3180237B-A893-794D-AF7D-E271C4EE1DEA}" type="datetimeFigureOut">
               <a:rPr lang="en-US" smtClean="0"/>
-              <a:t>12/11/18</a:t>
+              <a:t>12/14/18</a:t>
             </a:fld>
             <a:endParaRPr lang="en-US"/>
           </a:p>
@@ -2374,7 +2374,7 @@
           <a:p>
             <a:fld id="{3180237B-A893-794D-AF7D-E271C4EE1DEA}" type="datetimeFigureOut">
               <a:rPr lang="en-US" smtClean="0"/>
-              <a:t>12/11/18</a:t>
+              <a:t>12/14/18</a:t>
             </a:fld>
             <a:endParaRPr lang="en-US"/>
           </a:p>
@@ -2819,7 +2819,7 @@
           <a:p>
             <a:fld id="{3180237B-A893-794D-AF7D-E271C4EE1DEA}" type="datetimeFigureOut">
               <a:rPr lang="en-US" smtClean="0"/>
-              <a:t>12/11/18</a:t>
+              <a:t>12/14/18</a:t>
             </a:fld>
             <a:endParaRPr lang="en-US"/>
           </a:p>
@@ -3145,7 +3145,7 @@
           <a:p>
             <a:fld id="{3180237B-A893-794D-AF7D-E271C4EE1DEA}" type="datetimeFigureOut">
               <a:rPr lang="en-US" smtClean="0"/>
-              <a:t>12/11/18</a:t>
+              <a:t>12/14/18</a:t>
             </a:fld>
             <a:endParaRPr lang="en-US"/>
           </a:p>
@@ -4741,31 +4741,35 @@
           </a:p>
         </p:txBody>
       </p:sp>
-      <p:sp>
-        <p:nvSpPr>
-          <p:cNvPr id="3" name="Content Placeholder 2">
+      <p:pic>
+        <p:nvPicPr>
+          <p:cNvPr id="5" name="Content Placeholder 4">
             <a:extLst>
               <a:ext uri="{FF2B5EF4-FFF2-40B4-BE49-F238E27FC236}">
-                <a16:creationId xmlns:a16="http://schemas.microsoft.com/office/drawing/2014/main" id="{3C90B755-6D91-7648-8031-B7094D385A2D}"/>
+                <a16:creationId xmlns:a16="http://schemas.microsoft.com/office/drawing/2014/main" id="{88C930C0-2074-C849-B954-7162DC867CF8}"/>
               </a:ext>
             </a:extLst>
           </p:cNvPr>
-          <p:cNvSpPr>
-            <a:spLocks noGrp="1"/>
-          </p:cNvSpPr>
+          <p:cNvPicPr>
+            <a:picLocks noGrp="1" noChangeAspect="1"/>
+          </p:cNvPicPr>
           <p:nvPr>
             <p:ph idx="1"/>
           </p:nvPr>
-        </p:nvSpPr>
-        <p:spPr/>
-        <p:txBody>
-          <a:bodyPr/>
-          <a:lstStyle/>
-          <a:p>
-            <a:endParaRPr lang="en-US" dirty="0"/>
-          </a:p>
-        </p:txBody>
-      </p:sp>
+        </p:nvPicPr>
+        <p:blipFill>
+          <a:blip r:embed="rId2"/>
+          <a:stretch>
+            <a:fillRect/>
+          </a:stretch>
+        </p:blipFill>
+        <p:spPr>
+          <a:xfrm>
+            <a:off x="3056380" y="2016125"/>
+            <a:ext cx="5596677" cy="4022366"/>
+          </a:xfrm>
+        </p:spPr>
+      </p:pic>
     </p:spTree>
     <p:extLst>
       <p:ext uri="{BB962C8B-B14F-4D97-AF65-F5344CB8AC3E}">

--- a/Project1-1/Phase2/Presentation2.pptx
+++ b/Project1-1/Phase2/Presentation2.pptx
@@ -11,8 +11,10 @@
     <p:sldId id="258" r:id="rId5"/>
     <p:sldId id="259" r:id="rId6"/>
     <p:sldId id="260" r:id="rId7"/>
-    <p:sldId id="261" r:id="rId8"/>
-    <p:sldId id="263" r:id="rId9"/>
+    <p:sldId id="265" r:id="rId8"/>
+    <p:sldId id="266" r:id="rId9"/>
+    <p:sldId id="261" r:id="rId10"/>
+    <p:sldId id="263" r:id="rId11"/>
   </p:sldIdLst>
   <p:sldSz cx="12192000" cy="6858000"/>
   <p:notesSz cx="6858000" cy="9144000"/>
@@ -4313,6 +4315,95 @@
 </p:sld>
 </file>
 
+<file path=ppt/slides/slide10.xml><?xml version="1.0" encoding="utf-8"?>
+<p:sld xmlns:a="http://schemas.openxmlformats.org/drawingml/2006/main" xmlns:r="http://schemas.openxmlformats.org/officeDocument/2006/relationships" xmlns:p="http://schemas.openxmlformats.org/presentationml/2006/main">
+  <p:cSld>
+    <p:spTree>
+      <p:nvGrpSpPr>
+        <p:cNvPr id="1" name=""/>
+        <p:cNvGrpSpPr/>
+        <p:nvPr/>
+      </p:nvGrpSpPr>
+      <p:grpSpPr>
+        <a:xfrm>
+          <a:off x="0" y="0"/>
+          <a:ext cx="0" cy="0"/>
+          <a:chOff x="0" y="0"/>
+          <a:chExt cx="0" cy="0"/>
+        </a:xfrm>
+      </p:grpSpPr>
+      <p:sp>
+        <p:nvSpPr>
+          <p:cNvPr id="2" name="Title 1">
+            <a:extLst>
+              <a:ext uri="{FF2B5EF4-FFF2-40B4-BE49-F238E27FC236}">
+                <a16:creationId xmlns:a16="http://schemas.microsoft.com/office/drawing/2014/main" id="{830355D1-A67C-3C42-9B0D-CA4ED46214D0}"/>
+              </a:ext>
+            </a:extLst>
+          </p:cNvPr>
+          <p:cNvSpPr>
+            <a:spLocks noGrp="1"/>
+          </p:cNvSpPr>
+          <p:nvPr>
+            <p:ph type="title"/>
+          </p:nvPr>
+        </p:nvSpPr>
+        <p:spPr/>
+        <p:txBody>
+          <a:bodyPr>
+            <a:normAutofit/>
+          </a:bodyPr>
+          <a:lstStyle/>
+          <a:p>
+            <a:r>
+              <a:rPr lang="en-US" sz="3600" dirty="0"/>
+              <a:t>Plan for phase 3</a:t>
+            </a:r>
+          </a:p>
+        </p:txBody>
+      </p:sp>
+      <p:pic>
+        <p:nvPicPr>
+          <p:cNvPr id="5" name="Content Placeholder 4">
+            <a:extLst>
+              <a:ext uri="{FF2B5EF4-FFF2-40B4-BE49-F238E27FC236}">
+                <a16:creationId xmlns:a16="http://schemas.microsoft.com/office/drawing/2014/main" id="{C9B78A2C-4FAB-9741-BCEC-1AB156370236}"/>
+              </a:ext>
+            </a:extLst>
+          </p:cNvPr>
+          <p:cNvPicPr>
+            <a:picLocks noGrp="1" noChangeAspect="1"/>
+          </p:cNvPicPr>
+          <p:nvPr>
+            <p:ph idx="1"/>
+          </p:nvPr>
+        </p:nvPicPr>
+        <p:blipFill>
+          <a:blip r:embed="rId2"/>
+          <a:stretch>
+            <a:fillRect/>
+          </a:stretch>
+        </p:blipFill>
+        <p:spPr>
+          <a:xfrm>
+            <a:off x="149086" y="2631805"/>
+            <a:ext cx="11946835" cy="2141145"/>
+          </a:xfrm>
+        </p:spPr>
+      </p:pic>
+    </p:spTree>
+    <p:extLst>
+      <p:ext uri="{BB962C8B-B14F-4D97-AF65-F5344CB8AC3E}">
+        <p14:creationId xmlns:p14="http://schemas.microsoft.com/office/powerpoint/2010/main" val="2769353530"/>
+      </p:ext>
+    </p:extLst>
+  </p:cSld>
+  <p:clrMapOvr>
+    <a:masterClrMapping/>
+  </p:clrMapOvr>
+</p:sld>
+</file>
+
 <file path=ppt/slides/slide2.xml><?xml version="1.0" encoding="utf-8"?>
 <p:sld xmlns:a="http://schemas.openxmlformats.org/drawingml/2006/main" xmlns:r="http://schemas.openxmlformats.org/officeDocument/2006/relationships" xmlns:p="http://schemas.openxmlformats.org/presentationml/2006/main">
   <p:cSld>
@@ -4377,7 +4468,12 @@
             <p:ph idx="1"/>
           </p:nvPr>
         </p:nvSpPr>
-        <p:spPr/>
+        <p:spPr>
+          <a:xfrm>
+            <a:off x="1451579" y="2015732"/>
+            <a:ext cx="9603275" cy="3868233"/>
+          </a:xfrm>
+        </p:spPr>
         <p:txBody>
           <a:bodyPr>
             <a:normAutofit/>
@@ -4411,6 +4507,12 @@
             <a:r>
               <a:rPr lang="en-US" sz="2800" dirty="0"/>
               <a:t>Conclusion</a:t>
+            </a:r>
+          </a:p>
+          <a:p>
+            <a:r>
+              <a:rPr lang="en-US" sz="2800" dirty="0"/>
+              <a:t>Plan For Phase 3</a:t>
             </a:r>
           </a:p>
           <a:p>
@@ -4511,7 +4613,7 @@
             </a:pPr>
             <a:r>
               <a:rPr lang="en-US" sz="2800" dirty="0"/>
-              <a:t>Making a graph-coloring game with different game modes, providing hint buttons to help the player.</a:t>
+              <a:t>Making a graph-coloring game with different game modes and providing hint buttons to help the player.</a:t>
             </a:r>
           </a:p>
         </p:txBody>
@@ -4620,7 +4722,7 @@
         <p:spPr>
           <a:xfrm>
             <a:off x="838200" y="3153103"/>
-            <a:ext cx="9070428" cy="1384995"/>
+            <a:ext cx="9070428" cy="2185214"/>
           </a:xfrm>
           <a:prstGeom prst="rect">
             <a:avLst/>
@@ -4642,7 +4744,35 @@
             </a:pPr>
             <a:r>
               <a:rPr lang="en-US" sz="2800" dirty="0"/>
-              <a:t>Menu: Play button, choose the game mode</a:t>
+              <a:t>Menu: </a:t>
+            </a:r>
+          </a:p>
+          <a:p>
+            <a:pPr marL="914400" lvl="1" indent="-457200">
+              <a:buClr>
+                <a:schemeClr val="accent1"/>
+              </a:buClr>
+              <a:buSzPct val="70000"/>
+              <a:buFont typeface="Courier New" panose="02070309020205020404" pitchFamily="49" charset="0"/>
+              <a:buChar char="o"/>
+            </a:pPr>
+            <a:r>
+              <a:rPr lang="en-US" sz="2600" dirty="0"/>
+              <a:t>Play button</a:t>
+            </a:r>
+          </a:p>
+          <a:p>
+            <a:pPr marL="914400" lvl="1" indent="-457200">
+              <a:buClr>
+                <a:schemeClr val="accent1"/>
+              </a:buClr>
+              <a:buSzPct val="70000"/>
+              <a:buFont typeface="Courier New" panose="02070309020205020404" pitchFamily="49" charset="0"/>
+              <a:buChar char="o"/>
+            </a:pPr>
+            <a:r>
+              <a:rPr lang="en-US" sz="2600" dirty="0"/>
+              <a:t>Choose the game mode</a:t>
             </a:r>
           </a:p>
           <a:p>
@@ -4846,14 +4976,21 @@
             <p:ph idx="1"/>
           </p:nvPr>
         </p:nvSpPr>
-        <p:spPr/>
-        <p:txBody>
-          <a:bodyPr/>
+        <p:spPr>
+          <a:xfrm>
+            <a:off x="1451579" y="2015732"/>
+            <a:ext cx="9603275" cy="4017320"/>
+          </a:xfrm>
+        </p:spPr>
+        <p:txBody>
+          <a:bodyPr>
+            <a:normAutofit lnSpcReduction="10000"/>
+          </a:bodyPr>
           <a:lstStyle/>
           <a:p>
             <a:r>
               <a:rPr lang="en-US" sz="2800" dirty="0"/>
-              <a:t>Graphic user interface</a:t>
+              <a:t>Graphic User Interface</a:t>
             </a:r>
           </a:p>
           <a:p>
@@ -4867,30 +5004,61 @@
               <a:rPr lang="en-US" sz="2800" dirty="0"/>
               <a:t>Hints:</a:t>
             </a:r>
-            <a:br>
-              <a:rPr lang="en-US" sz="2800" dirty="0"/>
-            </a:br>
-            <a:r>
-              <a:rPr lang="en-US" sz="2800" dirty="0"/>
-              <a:t>- Show the colored graph for 3 seconds</a:t>
-            </a:r>
-            <a:br>
-              <a:rPr lang="en-US" sz="2800" dirty="0"/>
-            </a:br>
-            <a:r>
-              <a:rPr lang="en-US" sz="2800" dirty="0"/>
-              <a:t>- Suggest a color to an uncolored node</a:t>
-            </a:r>
-            <a:br>
-              <a:rPr lang="en-US" sz="2800" dirty="0"/>
-            </a:br>
-            <a:r>
-              <a:rPr lang="en-US" sz="2800" dirty="0"/>
-              <a:t>- Chromatic number</a:t>
-            </a:r>
-          </a:p>
-          <a:p>
-            <a:endParaRPr lang="en-US" dirty="0"/>
+          </a:p>
+          <a:p>
+            <a:pPr marL="1028700" lvl="1" indent="-571500">
+              <a:buFont typeface="+mj-lt"/>
+              <a:buAutoNum type="romanUcPeriod"/>
+            </a:pPr>
+            <a:r>
+              <a:rPr lang="en-US" sz="2600" dirty="0"/>
+              <a:t>Chromatic number</a:t>
+            </a:r>
+          </a:p>
+          <a:p>
+            <a:pPr marL="1028700" lvl="1" indent="-571500">
+              <a:buFont typeface="+mj-lt"/>
+              <a:buAutoNum type="romanUcPeriod"/>
+            </a:pPr>
+            <a:r>
+              <a:rPr lang="en-US" sz="2600" dirty="0"/>
+              <a:t>Suggest a color to an uncolored node</a:t>
+            </a:r>
+          </a:p>
+          <a:p>
+            <a:pPr marL="1028700" lvl="1" indent="-571500">
+              <a:buFont typeface="+mj-lt"/>
+              <a:buAutoNum type="romanUcPeriod"/>
+            </a:pPr>
+            <a:r>
+              <a:rPr lang="en-US" sz="2600" dirty="0"/>
+              <a:t>Red lines</a:t>
+            </a:r>
+          </a:p>
+          <a:p>
+            <a:pPr marL="1028700" lvl="1" indent="-571500">
+              <a:buFont typeface="+mj-lt"/>
+              <a:buAutoNum type="romanUcPeriod"/>
+            </a:pPr>
+            <a:r>
+              <a:rPr lang="en-US" sz="2600" i="1" dirty="0">
+                <a:solidFill>
+                  <a:schemeClr val="tx1">
+                    <a:lumMod val="65000"/>
+                    <a:lumOff val="35000"/>
+                  </a:schemeClr>
+                </a:solidFill>
+              </a:rPr>
+              <a:t>Show the colored graph for 3 seconds</a:t>
+            </a:r>
+            <a:endParaRPr lang="en-US" i="1" dirty="0">
+              <a:solidFill>
+                <a:schemeClr val="tx1">
+                  <a:lumMod val="65000"/>
+                  <a:lumOff val="35000"/>
+                </a:schemeClr>
+              </a:solidFill>
+            </a:endParaRPr>
           </a:p>
           <a:p>
             <a:endParaRPr lang="en-US" dirty="0"/>
@@ -4935,7 +5103,7 @@
           <p:cNvPr id="2" name="Title 1">
             <a:extLst>
               <a:ext uri="{FF2B5EF4-FFF2-40B4-BE49-F238E27FC236}">
-                <a16:creationId xmlns:a16="http://schemas.microsoft.com/office/drawing/2014/main" id="{F83FD95F-5019-2D4E-A83D-551F437A1057}"/>
+                <a16:creationId xmlns:a16="http://schemas.microsoft.com/office/drawing/2014/main" id="{1CD10BDE-AA86-3741-93A1-CD6F318EB143}"/>
               </a:ext>
             </a:extLst>
           </p:cNvPr>
@@ -4955,7 +5123,7 @@
           <a:p>
             <a:r>
               <a:rPr lang="en-US" sz="3600" dirty="0"/>
-              <a:t>Conclusion</a:t>
+              <a:t>Algorithms</a:t>
             </a:r>
           </a:p>
         </p:txBody>
@@ -4965,7 +5133,7 @@
           <p:cNvPr id="3" name="Content Placeholder 2">
             <a:extLst>
               <a:ext uri="{FF2B5EF4-FFF2-40B4-BE49-F238E27FC236}">
-                <a16:creationId xmlns:a16="http://schemas.microsoft.com/office/drawing/2014/main" id="{ECD673F7-B592-154F-BB20-389F3B887DDF}"/>
+                <a16:creationId xmlns:a16="http://schemas.microsoft.com/office/drawing/2014/main" id="{81C78043-1F72-B648-9AAF-8973C1672117}"/>
               </a:ext>
             </a:extLst>
           </p:cNvPr>
@@ -4978,26 +5146,12 @@
         </p:nvSpPr>
         <p:spPr/>
         <p:txBody>
-          <a:bodyPr/>
-          <a:lstStyle/>
-          <a:p>
-            <a:r>
-              <a:rPr lang="en-US" sz="2800" dirty="0"/>
-              <a:t>Make a game </a:t>
-            </a:r>
-          </a:p>
-          <a:p>
-            <a:r>
-              <a:rPr lang="en-US" sz="2800" dirty="0"/>
-              <a:t>Role of GUI</a:t>
-            </a:r>
-          </a:p>
-          <a:p>
-            <a:r>
-              <a:rPr lang="en-US" sz="2800"/>
-              <a:t>Hints</a:t>
-            </a:r>
-            <a:endParaRPr lang="en-US" sz="2800" dirty="0"/>
+          <a:bodyPr>
+            <a:normAutofit/>
+          </a:bodyPr>
+          <a:lstStyle/>
+          <a:p>
+            <a:endParaRPr lang="en-US" dirty="0"/>
           </a:p>
           <a:p>
             <a:endParaRPr lang="en-US" dirty="0"/>
@@ -5007,7 +5161,7 @@
     </p:spTree>
     <p:extLst>
       <p:ext uri="{BB962C8B-B14F-4D97-AF65-F5344CB8AC3E}">
-        <p14:creationId xmlns:p14="http://schemas.microsoft.com/office/powerpoint/2010/main" val="4225039887"/>
+        <p14:creationId xmlns:p14="http://schemas.microsoft.com/office/powerpoint/2010/main" val="1644902080"/>
       </p:ext>
     </p:extLst>
   </p:cSld>
@@ -5039,7 +5193,7 @@
           <p:cNvPr id="2" name="Title 1">
             <a:extLst>
               <a:ext uri="{FF2B5EF4-FFF2-40B4-BE49-F238E27FC236}">
-                <a16:creationId xmlns:a16="http://schemas.microsoft.com/office/drawing/2014/main" id="{830355D1-A67C-3C42-9B0D-CA4ED46214D0}"/>
+                <a16:creationId xmlns:a16="http://schemas.microsoft.com/office/drawing/2014/main" id="{1CD10BDE-AA86-3741-93A1-CD6F318EB143}"/>
               </a:ext>
             </a:extLst>
           </p:cNvPr>
@@ -5059,44 +5213,227 @@
           <a:p>
             <a:r>
               <a:rPr lang="en-US" sz="3600" dirty="0"/>
-              <a:t>Plan for phase 3</a:t>
-            </a:r>
-          </a:p>
-        </p:txBody>
-      </p:sp>
-      <p:pic>
-        <p:nvPicPr>
-          <p:cNvPr id="5" name="Content Placeholder 4">
+              <a:t>Algorithms</a:t>
+            </a:r>
+          </a:p>
+        </p:txBody>
+      </p:sp>
+      <p:sp>
+        <p:nvSpPr>
+          <p:cNvPr id="3" name="Content Placeholder 2">
             <a:extLst>
               <a:ext uri="{FF2B5EF4-FFF2-40B4-BE49-F238E27FC236}">
-                <a16:creationId xmlns:a16="http://schemas.microsoft.com/office/drawing/2014/main" id="{C9B78A2C-4FAB-9741-BCEC-1AB156370236}"/>
+                <a16:creationId xmlns:a16="http://schemas.microsoft.com/office/drawing/2014/main" id="{81C78043-1F72-B648-9AAF-8973C1672117}"/>
               </a:ext>
             </a:extLst>
           </p:cNvPr>
-          <p:cNvPicPr>
-            <a:picLocks noGrp="1" noChangeAspect="1"/>
-          </p:cNvPicPr>
+          <p:cNvSpPr>
+            <a:spLocks noGrp="1"/>
+          </p:cNvSpPr>
           <p:nvPr>
             <p:ph idx="1"/>
           </p:nvPr>
-        </p:nvPicPr>
-        <p:blipFill>
-          <a:blip r:embed="rId2"/>
-          <a:stretch>
-            <a:fillRect/>
-          </a:stretch>
-        </p:blipFill>
+        </p:nvSpPr>
         <p:spPr>
           <a:xfrm>
-            <a:off x="149086" y="2631805"/>
-            <a:ext cx="11946835" cy="2141145"/>
+            <a:off x="1451579" y="2015732"/>
+            <a:ext cx="9603275" cy="4017320"/>
           </a:xfrm>
         </p:spPr>
-      </p:pic>
+        <p:txBody>
+          <a:bodyPr>
+            <a:normAutofit lnSpcReduction="10000"/>
+          </a:bodyPr>
+          <a:lstStyle/>
+          <a:p>
+            <a:r>
+              <a:rPr lang="en-US" sz="2800" dirty="0"/>
+              <a:t>Graphic User Interface</a:t>
+            </a:r>
+          </a:p>
+          <a:p>
+            <a:r>
+              <a:rPr lang="en-US" sz="2800" dirty="0"/>
+              <a:t>Game modes</a:t>
+            </a:r>
+          </a:p>
+          <a:p>
+            <a:r>
+              <a:rPr lang="en-US" sz="2800" dirty="0"/>
+              <a:t>Hints:</a:t>
+            </a:r>
+          </a:p>
+          <a:p>
+            <a:pPr marL="1028700" lvl="1" indent="-571500">
+              <a:buFont typeface="+mj-lt"/>
+              <a:buAutoNum type="romanUcPeriod"/>
+            </a:pPr>
+            <a:r>
+              <a:rPr lang="en-US" sz="2600" dirty="0"/>
+              <a:t>Chromatic number</a:t>
+            </a:r>
+          </a:p>
+          <a:p>
+            <a:pPr marL="1028700" lvl="1" indent="-571500">
+              <a:buFont typeface="+mj-lt"/>
+              <a:buAutoNum type="romanUcPeriod"/>
+            </a:pPr>
+            <a:r>
+              <a:rPr lang="en-US" sz="2600" dirty="0"/>
+              <a:t>Suggest a color to an uncolored node</a:t>
+            </a:r>
+          </a:p>
+          <a:p>
+            <a:pPr marL="1028700" lvl="1" indent="-571500">
+              <a:buFont typeface="+mj-lt"/>
+              <a:buAutoNum type="romanUcPeriod"/>
+            </a:pPr>
+            <a:r>
+              <a:rPr lang="en-US" sz="2600" dirty="0"/>
+              <a:t>Red lines</a:t>
+            </a:r>
+          </a:p>
+          <a:p>
+            <a:pPr marL="1028700" lvl="1" indent="-571500">
+              <a:buFont typeface="+mj-lt"/>
+              <a:buAutoNum type="romanUcPeriod"/>
+            </a:pPr>
+            <a:r>
+              <a:rPr lang="en-US" sz="2600" i="1" dirty="0">
+                <a:solidFill>
+                  <a:schemeClr val="tx1">
+                    <a:lumMod val="65000"/>
+                    <a:lumOff val="35000"/>
+                  </a:schemeClr>
+                </a:solidFill>
+              </a:rPr>
+              <a:t>Show the colored graph for 3 seconds</a:t>
+            </a:r>
+            <a:endParaRPr lang="en-US" i="1" dirty="0">
+              <a:solidFill>
+                <a:schemeClr val="tx1">
+                  <a:lumMod val="65000"/>
+                  <a:lumOff val="35000"/>
+                </a:schemeClr>
+              </a:solidFill>
+            </a:endParaRPr>
+          </a:p>
+          <a:p>
+            <a:endParaRPr lang="en-US" dirty="0"/>
+          </a:p>
+          <a:p>
+            <a:endParaRPr lang="en-US" dirty="0"/>
+          </a:p>
+        </p:txBody>
+      </p:sp>
     </p:spTree>
     <p:extLst>
       <p:ext uri="{BB962C8B-B14F-4D97-AF65-F5344CB8AC3E}">
-        <p14:creationId xmlns:p14="http://schemas.microsoft.com/office/powerpoint/2010/main" val="2769353530"/>
+        <p14:creationId xmlns:p14="http://schemas.microsoft.com/office/powerpoint/2010/main" val="3163883094"/>
+      </p:ext>
+    </p:extLst>
+  </p:cSld>
+  <p:clrMapOvr>
+    <a:masterClrMapping/>
+  </p:clrMapOvr>
+</p:sld>
+</file>
+
+<file path=ppt/slides/slide9.xml><?xml version="1.0" encoding="utf-8"?>
+<p:sld xmlns:a="http://schemas.openxmlformats.org/drawingml/2006/main" xmlns:r="http://schemas.openxmlformats.org/officeDocument/2006/relationships" xmlns:p="http://schemas.openxmlformats.org/presentationml/2006/main">
+  <p:cSld>
+    <p:spTree>
+      <p:nvGrpSpPr>
+        <p:cNvPr id="1" name=""/>
+        <p:cNvGrpSpPr/>
+        <p:nvPr/>
+      </p:nvGrpSpPr>
+      <p:grpSpPr>
+        <a:xfrm>
+          <a:off x="0" y="0"/>
+          <a:ext cx="0" cy="0"/>
+          <a:chOff x="0" y="0"/>
+          <a:chExt cx="0" cy="0"/>
+        </a:xfrm>
+      </p:grpSpPr>
+      <p:sp>
+        <p:nvSpPr>
+          <p:cNvPr id="2" name="Title 1">
+            <a:extLst>
+              <a:ext uri="{FF2B5EF4-FFF2-40B4-BE49-F238E27FC236}">
+                <a16:creationId xmlns:a16="http://schemas.microsoft.com/office/drawing/2014/main" id="{F83FD95F-5019-2D4E-A83D-551F437A1057}"/>
+              </a:ext>
+            </a:extLst>
+          </p:cNvPr>
+          <p:cNvSpPr>
+            <a:spLocks noGrp="1"/>
+          </p:cNvSpPr>
+          <p:nvPr>
+            <p:ph type="title"/>
+          </p:nvPr>
+        </p:nvSpPr>
+        <p:spPr/>
+        <p:txBody>
+          <a:bodyPr>
+            <a:normAutofit/>
+          </a:bodyPr>
+          <a:lstStyle/>
+          <a:p>
+            <a:r>
+              <a:rPr lang="en-US" sz="3600" dirty="0"/>
+              <a:t>Conclusion</a:t>
+            </a:r>
+          </a:p>
+        </p:txBody>
+      </p:sp>
+      <p:sp>
+        <p:nvSpPr>
+          <p:cNvPr id="3" name="Content Placeholder 2">
+            <a:extLst>
+              <a:ext uri="{FF2B5EF4-FFF2-40B4-BE49-F238E27FC236}">
+                <a16:creationId xmlns:a16="http://schemas.microsoft.com/office/drawing/2014/main" id="{ECD673F7-B592-154F-BB20-389F3B887DDF}"/>
+              </a:ext>
+            </a:extLst>
+          </p:cNvPr>
+          <p:cNvSpPr>
+            <a:spLocks noGrp="1"/>
+          </p:cNvSpPr>
+          <p:nvPr>
+            <p:ph idx="1"/>
+          </p:nvPr>
+        </p:nvSpPr>
+        <p:spPr/>
+        <p:txBody>
+          <a:bodyPr/>
+          <a:lstStyle/>
+          <a:p>
+            <a:r>
+              <a:rPr lang="en-US" sz="2800" dirty="0"/>
+              <a:t>Make a game </a:t>
+            </a:r>
+          </a:p>
+          <a:p>
+            <a:r>
+              <a:rPr lang="en-US" sz="2800" dirty="0"/>
+              <a:t>Role of GUI</a:t>
+            </a:r>
+          </a:p>
+          <a:p>
+            <a:r>
+              <a:rPr lang="en-US" sz="2800"/>
+              <a:t>Hints</a:t>
+            </a:r>
+            <a:endParaRPr lang="en-US" sz="2800" dirty="0"/>
+          </a:p>
+          <a:p>
+            <a:endParaRPr lang="en-US" dirty="0"/>
+          </a:p>
+        </p:txBody>
+      </p:sp>
+    </p:spTree>
+    <p:extLst>
+      <p:ext uri="{BB962C8B-B14F-4D97-AF65-F5344CB8AC3E}">
+        <p14:creationId xmlns:p14="http://schemas.microsoft.com/office/powerpoint/2010/main" val="4225039887"/>
       </p:ext>
     </p:extLst>
   </p:cSld>

--- a/Project1-1/Phase2/Presentation2.pptx
+++ b/Project1-1/Phase2/Presentation2.pptx
@@ -5158,6 +5158,675 @@
           </a:p>
         </p:txBody>
       </p:sp>
+      <p:sp>
+        <p:nvSpPr>
+          <p:cNvPr id="4" name="Afgeronde rechthoek 3">
+            <a:extLst>
+              <a:ext uri="{FF2B5EF4-FFF2-40B4-BE49-F238E27FC236}">
+                <a16:creationId xmlns:a16="http://schemas.microsoft.com/office/drawing/2014/main" id="{36DBF172-CA9C-DC41-8944-95B01DA2410D}"/>
+              </a:ext>
+            </a:extLst>
+          </p:cNvPr>
+          <p:cNvSpPr/>
+          <p:nvPr/>
+        </p:nvSpPr>
+        <p:spPr>
+          <a:xfrm>
+            <a:off x="4737782" y="2515904"/>
+            <a:ext cx="2501462" cy="1145628"/>
+          </a:xfrm>
+          <a:prstGeom prst="roundRect">
+            <a:avLst/>
+          </a:prstGeom>
+        </p:spPr>
+        <p:style>
+          <a:lnRef idx="2">
+            <a:schemeClr val="accent1">
+              <a:shade val="50000"/>
+            </a:schemeClr>
+          </a:lnRef>
+          <a:fillRef idx="1">
+            <a:schemeClr val="accent1"/>
+          </a:fillRef>
+          <a:effectRef idx="0">
+            <a:schemeClr val="accent1"/>
+          </a:effectRef>
+          <a:fontRef idx="minor">
+            <a:schemeClr val="lt1"/>
+          </a:fontRef>
+        </p:style>
+        <p:txBody>
+          <a:bodyPr rtlCol="0" anchor="ctr"/>
+          <a:lstStyle/>
+          <a:p>
+            <a:pPr algn="ctr"/>
+            <a:r>
+              <a:rPr lang="nl-NL" dirty="0" err="1"/>
+              <a:t>GraphFrame</a:t>
+            </a:r>
+            <a:endParaRPr lang="nl-NL" dirty="0"/>
+          </a:p>
+        </p:txBody>
+      </p:sp>
+      <p:cxnSp>
+        <p:nvCxnSpPr>
+          <p:cNvPr id="5" name="Rechte verbindingslijn met pijl 5">
+            <a:extLst>
+              <a:ext uri="{FF2B5EF4-FFF2-40B4-BE49-F238E27FC236}">
+                <a16:creationId xmlns:a16="http://schemas.microsoft.com/office/drawing/2014/main" id="{A918A1B4-2214-AA4A-A2E6-4AFF78543BD2}"/>
+              </a:ext>
+            </a:extLst>
+          </p:cNvPr>
+          <p:cNvCxnSpPr>
+            <a:cxnSpLocks/>
+          </p:cNvCxnSpPr>
+          <p:nvPr/>
+        </p:nvCxnSpPr>
+        <p:spPr>
+          <a:xfrm flipH="1">
+            <a:off x="7375881" y="3109738"/>
+            <a:ext cx="693682" cy="0"/>
+          </a:xfrm>
+          <a:prstGeom prst="straightConnector1">
+            <a:avLst/>
+          </a:prstGeom>
+          <a:ln>
+            <a:tailEnd type="triangle"/>
+          </a:ln>
+        </p:spPr>
+        <p:style>
+          <a:lnRef idx="3">
+            <a:schemeClr val="accent1"/>
+          </a:lnRef>
+          <a:fillRef idx="0">
+            <a:schemeClr val="accent1"/>
+          </a:fillRef>
+          <a:effectRef idx="2">
+            <a:schemeClr val="accent1"/>
+          </a:effectRef>
+          <a:fontRef idx="minor">
+            <a:schemeClr val="tx1"/>
+          </a:fontRef>
+        </p:style>
+      </p:cxnSp>
+      <p:sp>
+        <p:nvSpPr>
+          <p:cNvPr id="6" name="Afgeronde rechthoek 8">
+            <a:extLst>
+              <a:ext uri="{FF2B5EF4-FFF2-40B4-BE49-F238E27FC236}">
+                <a16:creationId xmlns:a16="http://schemas.microsoft.com/office/drawing/2014/main" id="{A6B06148-AF51-4147-99FA-A63DE2C808D2}"/>
+              </a:ext>
+            </a:extLst>
+          </p:cNvPr>
+          <p:cNvSpPr/>
+          <p:nvPr/>
+        </p:nvSpPr>
+        <p:spPr>
+          <a:xfrm>
+            <a:off x="8689675" y="2515904"/>
+            <a:ext cx="2501462" cy="1145628"/>
+          </a:xfrm>
+          <a:prstGeom prst="roundRect">
+            <a:avLst/>
+          </a:prstGeom>
+        </p:spPr>
+        <p:style>
+          <a:lnRef idx="2">
+            <a:schemeClr val="accent3">
+              <a:shade val="50000"/>
+            </a:schemeClr>
+          </a:lnRef>
+          <a:fillRef idx="1">
+            <a:schemeClr val="accent3"/>
+          </a:fillRef>
+          <a:effectRef idx="0">
+            <a:schemeClr val="accent3"/>
+          </a:effectRef>
+          <a:fontRef idx="minor">
+            <a:schemeClr val="lt1"/>
+          </a:fontRef>
+        </p:style>
+        <p:txBody>
+          <a:bodyPr rtlCol="0" anchor="ctr"/>
+          <a:lstStyle/>
+          <a:p>
+            <a:pPr algn="ctr"/>
+            <a:endParaRPr lang="nl-NL" dirty="0"/>
+          </a:p>
+          <a:p>
+            <a:pPr algn="ctr"/>
+            <a:r>
+              <a:rPr lang="nl-NL" dirty="0" err="1"/>
+              <a:t>SecondFrame</a:t>
+            </a:r>
+            <a:endParaRPr lang="nl-NL" dirty="0"/>
+          </a:p>
+          <a:p>
+            <a:pPr algn="ctr"/>
+            <a:r>
+              <a:rPr lang="nl-NL" dirty="0"/>
+              <a:t>y - </a:t>
+            </a:r>
+            <a:r>
+              <a:rPr lang="nl-NL" dirty="0" err="1"/>
+              <a:t>edges</a:t>
+            </a:r>
+            <a:endParaRPr lang="nl-NL" dirty="0"/>
+          </a:p>
+          <a:p>
+            <a:pPr algn="ctr"/>
+            <a:r>
+              <a:rPr lang="nl-NL" dirty="0"/>
+              <a:t>z - </a:t>
+            </a:r>
+            <a:r>
+              <a:rPr lang="nl-NL" dirty="0" err="1"/>
+              <a:t>vertices</a:t>
+            </a:r>
+            <a:endParaRPr lang="nl-NL" dirty="0"/>
+          </a:p>
+          <a:p>
+            <a:pPr algn="ctr"/>
+            <a:endParaRPr lang="nl-NL" dirty="0"/>
+          </a:p>
+        </p:txBody>
+      </p:sp>
+      <p:cxnSp>
+        <p:nvCxnSpPr>
+          <p:cNvPr id="7" name="Rechte verbindingslijn met pijl 10">
+            <a:extLst>
+              <a:ext uri="{FF2B5EF4-FFF2-40B4-BE49-F238E27FC236}">
+                <a16:creationId xmlns:a16="http://schemas.microsoft.com/office/drawing/2014/main" id="{DAC47D00-6E80-2641-A0A9-C06144812BDA}"/>
+              </a:ext>
+            </a:extLst>
+          </p:cNvPr>
+          <p:cNvCxnSpPr>
+            <a:cxnSpLocks/>
+          </p:cNvCxnSpPr>
+          <p:nvPr/>
+        </p:nvCxnSpPr>
+        <p:spPr>
+          <a:xfrm flipH="1">
+            <a:off x="3450266" y="3088718"/>
+            <a:ext cx="1166648" cy="0"/>
+          </a:xfrm>
+          <a:prstGeom prst="straightConnector1">
+            <a:avLst/>
+          </a:prstGeom>
+          <a:ln>
+            <a:headEnd type="triangle"/>
+            <a:tailEnd type="triangle"/>
+          </a:ln>
+        </p:spPr>
+        <p:style>
+          <a:lnRef idx="3">
+            <a:schemeClr val="accent1"/>
+          </a:lnRef>
+          <a:fillRef idx="0">
+            <a:schemeClr val="accent1"/>
+          </a:fillRef>
+          <a:effectRef idx="2">
+            <a:schemeClr val="accent1"/>
+          </a:effectRef>
+          <a:fontRef idx="minor">
+            <a:schemeClr val="tx1"/>
+          </a:fontRef>
+        </p:style>
+      </p:cxnSp>
+      <p:sp>
+        <p:nvSpPr>
+          <p:cNvPr id="8" name="Afgeronde rechthoek 12">
+            <a:extLst>
+              <a:ext uri="{FF2B5EF4-FFF2-40B4-BE49-F238E27FC236}">
+                <a16:creationId xmlns:a16="http://schemas.microsoft.com/office/drawing/2014/main" id="{9FA17952-4C3A-DC4E-A428-251AF81DAE69}"/>
+              </a:ext>
+            </a:extLst>
+          </p:cNvPr>
+          <p:cNvSpPr/>
+          <p:nvPr/>
+        </p:nvSpPr>
+        <p:spPr>
+          <a:xfrm>
+            <a:off x="864721" y="2515904"/>
+            <a:ext cx="2501462" cy="1145628"/>
+          </a:xfrm>
+          <a:prstGeom prst="roundRect">
+            <a:avLst/>
+          </a:prstGeom>
+        </p:spPr>
+        <p:style>
+          <a:lnRef idx="2">
+            <a:schemeClr val="accent1">
+              <a:shade val="50000"/>
+            </a:schemeClr>
+          </a:lnRef>
+          <a:fillRef idx="1">
+            <a:schemeClr val="accent1"/>
+          </a:fillRef>
+          <a:effectRef idx="0">
+            <a:schemeClr val="accent1"/>
+          </a:effectRef>
+          <a:fontRef idx="minor">
+            <a:schemeClr val="lt1"/>
+          </a:fontRef>
+        </p:style>
+        <p:txBody>
+          <a:bodyPr rtlCol="0" anchor="ctr"/>
+          <a:lstStyle/>
+          <a:p>
+            <a:pPr algn="ctr"/>
+            <a:r>
+              <a:rPr lang="nl-NL" dirty="0" err="1"/>
+              <a:t>Graph</a:t>
+            </a:r>
+            <a:r>
+              <a:rPr lang="nl-NL" dirty="0"/>
+              <a:t> </a:t>
+            </a:r>
+            <a:r>
+              <a:rPr lang="nl-NL" dirty="0" err="1"/>
+              <a:t>JComponent</a:t>
+            </a:r>
+            <a:endParaRPr lang="nl-NL" dirty="0"/>
+          </a:p>
+          <a:p>
+            <a:pPr algn="ctr"/>
+            <a:r>
+              <a:rPr lang="nl-NL" dirty="0"/>
+              <a:t>(</a:t>
+            </a:r>
+            <a:r>
+              <a:rPr lang="nl-NL" dirty="0" err="1"/>
+              <a:t>GraphDisplay</a:t>
+            </a:r>
+            <a:r>
+              <a:rPr lang="nl-NL" dirty="0"/>
+              <a:t>)</a:t>
+            </a:r>
+          </a:p>
+        </p:txBody>
+      </p:sp>
+      <p:cxnSp>
+        <p:nvCxnSpPr>
+          <p:cNvPr id="9" name="Rechte verbindingslijn met pijl 14">
+            <a:extLst>
+              <a:ext uri="{FF2B5EF4-FFF2-40B4-BE49-F238E27FC236}">
+                <a16:creationId xmlns:a16="http://schemas.microsoft.com/office/drawing/2014/main" id="{AAA3764E-DF9B-5545-8956-CEE009A782E4}"/>
+              </a:ext>
+            </a:extLst>
+          </p:cNvPr>
+          <p:cNvCxnSpPr>
+            <a:cxnSpLocks/>
+          </p:cNvCxnSpPr>
+          <p:nvPr/>
+        </p:nvCxnSpPr>
+        <p:spPr>
+          <a:xfrm flipH="1">
+            <a:off x="6030554" y="3777145"/>
+            <a:ext cx="1" cy="1019503"/>
+          </a:xfrm>
+          <a:prstGeom prst="straightConnector1">
+            <a:avLst/>
+          </a:prstGeom>
+          <a:ln>
+            <a:headEnd type="triangle"/>
+            <a:tailEnd type="triangle"/>
+          </a:ln>
+        </p:spPr>
+        <p:style>
+          <a:lnRef idx="3">
+            <a:schemeClr val="accent1"/>
+          </a:lnRef>
+          <a:fillRef idx="0">
+            <a:schemeClr val="accent1"/>
+          </a:fillRef>
+          <a:effectRef idx="2">
+            <a:schemeClr val="accent1"/>
+          </a:effectRef>
+          <a:fontRef idx="minor">
+            <a:schemeClr val="tx1"/>
+          </a:fontRef>
+        </p:style>
+      </p:cxnSp>
+      <p:sp>
+        <p:nvSpPr>
+          <p:cNvPr id="10" name="Afgeronde rechthoek 16">
+            <a:extLst>
+              <a:ext uri="{FF2B5EF4-FFF2-40B4-BE49-F238E27FC236}">
+                <a16:creationId xmlns:a16="http://schemas.microsoft.com/office/drawing/2014/main" id="{6512F7F9-0500-014B-9A2C-2CA080DE2C8A}"/>
+              </a:ext>
+            </a:extLst>
+          </p:cNvPr>
+          <p:cNvSpPr/>
+          <p:nvPr/>
+        </p:nvSpPr>
+        <p:spPr>
+          <a:xfrm>
+            <a:off x="817424" y="4985837"/>
+            <a:ext cx="2501462" cy="1145628"/>
+          </a:xfrm>
+          <a:prstGeom prst="roundRect">
+            <a:avLst/>
+          </a:prstGeom>
+        </p:spPr>
+        <p:style>
+          <a:lnRef idx="2">
+            <a:schemeClr val="accent3">
+              <a:shade val="50000"/>
+            </a:schemeClr>
+          </a:lnRef>
+          <a:fillRef idx="1">
+            <a:schemeClr val="accent3"/>
+          </a:fillRef>
+          <a:effectRef idx="0">
+            <a:schemeClr val="accent3"/>
+          </a:effectRef>
+          <a:fontRef idx="minor">
+            <a:schemeClr val="lt1"/>
+          </a:fontRef>
+        </p:style>
+        <p:txBody>
+          <a:bodyPr rtlCol="0" anchor="ctr"/>
+          <a:lstStyle/>
+          <a:p>
+            <a:pPr algn="ctr"/>
+            <a:r>
+              <a:rPr lang="nl-NL" dirty="0"/>
+              <a:t>Mouse Click </a:t>
+            </a:r>
+            <a:r>
+              <a:rPr lang="nl-NL" dirty="0" err="1"/>
+              <a:t>Listener</a:t>
+            </a:r>
+            <a:endParaRPr lang="nl-NL" dirty="0"/>
+          </a:p>
+        </p:txBody>
+      </p:sp>
+      <p:cxnSp>
+        <p:nvCxnSpPr>
+          <p:cNvPr id="11" name="Rechte verbindingslijn met pijl 17">
+            <a:extLst>
+              <a:ext uri="{FF2B5EF4-FFF2-40B4-BE49-F238E27FC236}">
+                <a16:creationId xmlns:a16="http://schemas.microsoft.com/office/drawing/2014/main" id="{0F22CBFF-C643-AC44-AA9F-DD7FAD0C5D43}"/>
+              </a:ext>
+            </a:extLst>
+          </p:cNvPr>
+          <p:cNvCxnSpPr>
+            <a:cxnSpLocks/>
+          </p:cNvCxnSpPr>
+          <p:nvPr/>
+        </p:nvCxnSpPr>
+        <p:spPr>
+          <a:xfrm>
+            <a:off x="2052385" y="3777145"/>
+            <a:ext cx="0" cy="1019503"/>
+          </a:xfrm>
+          <a:prstGeom prst="straightConnector1">
+            <a:avLst/>
+          </a:prstGeom>
+          <a:ln>
+            <a:headEnd type="triangle"/>
+            <a:tailEnd type="triangle"/>
+          </a:ln>
+        </p:spPr>
+        <p:style>
+          <a:lnRef idx="3">
+            <a:schemeClr val="accent1"/>
+          </a:lnRef>
+          <a:fillRef idx="0">
+            <a:schemeClr val="accent1"/>
+          </a:fillRef>
+          <a:effectRef idx="2">
+            <a:schemeClr val="accent1"/>
+          </a:effectRef>
+          <a:fontRef idx="minor">
+            <a:schemeClr val="tx1"/>
+          </a:fontRef>
+        </p:style>
+      </p:cxnSp>
+      <p:sp>
+        <p:nvSpPr>
+          <p:cNvPr id="12" name="Afgeronde rechthoek 18">
+            <a:extLst>
+              <a:ext uri="{FF2B5EF4-FFF2-40B4-BE49-F238E27FC236}">
+                <a16:creationId xmlns:a16="http://schemas.microsoft.com/office/drawing/2014/main" id="{DD34801F-7646-4144-9E35-0C5614EB2CE4}"/>
+              </a:ext>
+            </a:extLst>
+          </p:cNvPr>
+          <p:cNvSpPr/>
+          <p:nvPr/>
+        </p:nvSpPr>
+        <p:spPr>
+          <a:xfrm>
+            <a:off x="5053093" y="4985837"/>
+            <a:ext cx="1923393" cy="1145628"/>
+          </a:xfrm>
+          <a:prstGeom prst="roundRect">
+            <a:avLst/>
+          </a:prstGeom>
+        </p:spPr>
+        <p:style>
+          <a:lnRef idx="2">
+            <a:schemeClr val="accent6">
+              <a:shade val="50000"/>
+            </a:schemeClr>
+          </a:lnRef>
+          <a:fillRef idx="1">
+            <a:schemeClr val="accent6"/>
+          </a:fillRef>
+          <a:effectRef idx="0">
+            <a:schemeClr val="accent6"/>
+          </a:effectRef>
+          <a:fontRef idx="minor">
+            <a:schemeClr val="lt1"/>
+          </a:fontRef>
+        </p:style>
+        <p:txBody>
+          <a:bodyPr rtlCol="0" anchor="ctr"/>
+          <a:lstStyle/>
+          <a:p>
+            <a:pPr algn="ctr"/>
+            <a:r>
+              <a:rPr lang="nl-NL" dirty="0" err="1"/>
+              <a:t>Color</a:t>
+            </a:r>
+            <a:r>
+              <a:rPr lang="nl-NL" dirty="0"/>
+              <a:t> buttons</a:t>
+            </a:r>
+          </a:p>
+        </p:txBody>
+      </p:sp>
+      <p:sp>
+        <p:nvSpPr>
+          <p:cNvPr id="13" name="Afgeronde rechthoek 25">
+            <a:extLst>
+              <a:ext uri="{FF2B5EF4-FFF2-40B4-BE49-F238E27FC236}">
+                <a16:creationId xmlns:a16="http://schemas.microsoft.com/office/drawing/2014/main" id="{8FBD6E9B-48DD-BF48-ACE0-76649A36C400}"/>
+              </a:ext>
+            </a:extLst>
+          </p:cNvPr>
+          <p:cNvSpPr/>
+          <p:nvPr/>
+        </p:nvSpPr>
+        <p:spPr>
+          <a:xfrm>
+            <a:off x="7507256" y="4985837"/>
+            <a:ext cx="1923393" cy="1145628"/>
+          </a:xfrm>
+          <a:prstGeom prst="roundRect">
+            <a:avLst/>
+          </a:prstGeom>
+        </p:spPr>
+        <p:style>
+          <a:lnRef idx="2">
+            <a:schemeClr val="accent6">
+              <a:shade val="50000"/>
+            </a:schemeClr>
+          </a:lnRef>
+          <a:fillRef idx="1">
+            <a:schemeClr val="accent6"/>
+          </a:fillRef>
+          <a:effectRef idx="0">
+            <a:schemeClr val="accent6"/>
+          </a:effectRef>
+          <a:fontRef idx="minor">
+            <a:schemeClr val="lt1"/>
+          </a:fontRef>
+        </p:style>
+        <p:txBody>
+          <a:bodyPr rtlCol="0" anchor="ctr"/>
+          <a:lstStyle/>
+          <a:p>
+            <a:pPr algn="ctr"/>
+            <a:r>
+              <a:rPr lang="nl-NL" dirty="0" err="1"/>
+              <a:t>Color</a:t>
+            </a:r>
+            <a:r>
+              <a:rPr lang="nl-NL" dirty="0"/>
+              <a:t> Array</a:t>
+            </a:r>
+          </a:p>
+        </p:txBody>
+      </p:sp>
+      <p:cxnSp>
+        <p:nvCxnSpPr>
+          <p:cNvPr id="14" name="Rechte verbindingslijn met pijl 26">
+            <a:extLst>
+              <a:ext uri="{FF2B5EF4-FFF2-40B4-BE49-F238E27FC236}">
+                <a16:creationId xmlns:a16="http://schemas.microsoft.com/office/drawing/2014/main" id="{9CA0ACF2-330E-CC47-BF7B-9804C00DC1D3}"/>
+              </a:ext>
+            </a:extLst>
+          </p:cNvPr>
+          <p:cNvCxnSpPr>
+            <a:cxnSpLocks/>
+          </p:cNvCxnSpPr>
+          <p:nvPr/>
+        </p:nvCxnSpPr>
+        <p:spPr>
+          <a:xfrm>
+            <a:off x="7061878" y="5558651"/>
+            <a:ext cx="396769" cy="0"/>
+          </a:xfrm>
+          <a:prstGeom prst="straightConnector1">
+            <a:avLst/>
+          </a:prstGeom>
+          <a:ln>
+            <a:headEnd type="triangle"/>
+            <a:tailEnd type="triangle"/>
+          </a:ln>
+        </p:spPr>
+        <p:style>
+          <a:lnRef idx="3">
+            <a:schemeClr val="accent1"/>
+          </a:lnRef>
+          <a:fillRef idx="0">
+            <a:schemeClr val="accent1"/>
+          </a:fillRef>
+          <a:effectRef idx="2">
+            <a:schemeClr val="accent1"/>
+          </a:effectRef>
+          <a:fontRef idx="minor">
+            <a:schemeClr val="tx1"/>
+          </a:fontRef>
+        </p:style>
+      </p:cxnSp>
+      <p:sp>
+        <p:nvSpPr>
+          <p:cNvPr id="15" name="Ring 29">
+            <a:extLst>
+              <a:ext uri="{FF2B5EF4-FFF2-40B4-BE49-F238E27FC236}">
+                <a16:creationId xmlns:a16="http://schemas.microsoft.com/office/drawing/2014/main" id="{DB10A341-3C45-4A47-93C5-BF085898A4F1}"/>
+              </a:ext>
+            </a:extLst>
+          </p:cNvPr>
+          <p:cNvSpPr/>
+          <p:nvPr/>
+        </p:nvSpPr>
+        <p:spPr>
+          <a:xfrm>
+            <a:off x="8274516" y="1853754"/>
+            <a:ext cx="3468414" cy="2511967"/>
+          </a:xfrm>
+          <a:prstGeom prst="donut">
+            <a:avLst>
+              <a:gd name="adj" fmla="val 4545"/>
+            </a:avLst>
+          </a:prstGeom>
+          <a:solidFill>
+            <a:srgbClr val="FF0000"/>
+          </a:solidFill>
+          <a:ln>
+            <a:solidFill>
+              <a:srgbClr val="C00000"/>
+            </a:solidFill>
+          </a:ln>
+        </p:spPr>
+        <p:style>
+          <a:lnRef idx="2">
+            <a:schemeClr val="accent1">
+              <a:shade val="50000"/>
+            </a:schemeClr>
+          </a:lnRef>
+          <a:fillRef idx="1">
+            <a:schemeClr val="accent1"/>
+          </a:fillRef>
+          <a:effectRef idx="0">
+            <a:schemeClr val="accent1"/>
+          </a:effectRef>
+          <a:fontRef idx="minor">
+            <a:schemeClr val="lt1"/>
+          </a:fontRef>
+        </p:style>
+        <p:txBody>
+          <a:bodyPr rtlCol="0" anchor="ctr"/>
+          <a:lstStyle/>
+          <a:p>
+            <a:pPr algn="ctr"/>
+            <a:endParaRPr lang="nl-NL">
+              <a:solidFill>
+                <a:schemeClr val="tx1"/>
+              </a:solidFill>
+            </a:endParaRPr>
+          </a:p>
+        </p:txBody>
+      </p:sp>
+      <p:sp>
+        <p:nvSpPr>
+          <p:cNvPr id="16" name="Tekstvak 31">
+            <a:extLst>
+              <a:ext uri="{FF2B5EF4-FFF2-40B4-BE49-F238E27FC236}">
+                <a16:creationId xmlns:a16="http://schemas.microsoft.com/office/drawing/2014/main" id="{496F4B75-8A34-3A46-9A7A-62017D3775DE}"/>
+              </a:ext>
+            </a:extLst>
+          </p:cNvPr>
+          <p:cNvSpPr txBox="1"/>
+          <p:nvPr/>
+        </p:nvSpPr>
+        <p:spPr>
+          <a:xfrm>
+            <a:off x="9604074" y="3786924"/>
+            <a:ext cx="809297" cy="369332"/>
+          </a:xfrm>
+          <a:prstGeom prst="rect">
+            <a:avLst/>
+          </a:prstGeom>
+          <a:noFill/>
+        </p:spPr>
+        <p:txBody>
+          <a:bodyPr wrap="square" rtlCol="0">
+            <a:spAutoFit/>
+          </a:bodyPr>
+          <a:lstStyle/>
+          <a:p>
+            <a:r>
+              <a:rPr lang="nl-NL" b="1" dirty="0"/>
+              <a:t>START</a:t>
+            </a:r>
+          </a:p>
+        </p:txBody>
+      </p:sp>
     </p:spTree>
     <p:extLst>
       <p:ext uri="{BB962C8B-B14F-4D97-AF65-F5344CB8AC3E}">
